--- a/決標後.pptx
+++ b/決標後.pptx
@@ -257,7 +257,7 @@
           <a:p>
             <a:fld id="{A54DAA72-4A6A-4898-A5B9-E02DE5971D93}" type="datetimeFigureOut">
               <a:rPr lang="zh-TW" altLang="en-US" smtClean="0"/>
-              <a:t>2022/1/4</a:t>
+              <a:t>2022/1/5</a:t>
             </a:fld>
             <a:endParaRPr lang="zh-TW" altLang="en-US"/>
           </a:p>
@@ -422,7 +422,7 @@
           <a:p>
             <a:fld id="{4D13E498-D6A5-433E-B682-A841DF578F72}" type="datetimeFigureOut">
               <a:rPr lang="zh-TW" altLang="en-US" smtClean="0"/>
-              <a:t>2022/1/4</a:t>
+              <a:t>2022/1/5</a:t>
             </a:fld>
             <a:endParaRPr lang="zh-TW" altLang="en-US"/>
           </a:p>
@@ -5027,7 +5027,7 @@
           <a:p>
             <a:fld id="{7C15BCB2-EB72-44D8-B52E-EDF12BDF010A}" type="datetimeFigureOut">
               <a:rPr lang="zh-TW" altLang="en-US" smtClean="0"/>
-              <a:t>2022/1/4</a:t>
+              <a:t>2022/1/5</a:t>
             </a:fld>
             <a:endParaRPr lang="zh-TW" altLang="en-US"/>
           </a:p>
@@ -5371,7 +5371,7 @@
           <a:p>
             <a:fld id="{7C15BCB2-EB72-44D8-B52E-EDF12BDF010A}" type="datetimeFigureOut">
               <a:rPr lang="zh-TW" altLang="en-US" smtClean="0"/>
-              <a:t>2022/1/4</a:t>
+              <a:t>2022/1/5</a:t>
             </a:fld>
             <a:endParaRPr lang="zh-TW" altLang="en-US"/>
           </a:p>
@@ -5692,7 +5692,7 @@
           <a:p>
             <a:fld id="{7C15BCB2-EB72-44D8-B52E-EDF12BDF010A}" type="datetimeFigureOut">
               <a:rPr lang="zh-TW" altLang="en-US" smtClean="0"/>
-              <a:t>2022/1/4</a:t>
+              <a:t>2022/1/5</a:t>
             </a:fld>
             <a:endParaRPr lang="zh-TW" altLang="en-US"/>
           </a:p>
@@ -5930,7 +5930,7 @@
           <a:p>
             <a:fld id="{7C15BCB2-EB72-44D8-B52E-EDF12BDF010A}" type="datetimeFigureOut">
               <a:rPr lang="zh-TW" altLang="en-US" smtClean="0"/>
-              <a:t>2022/1/4</a:t>
+              <a:t>2022/1/5</a:t>
             </a:fld>
             <a:endParaRPr lang="zh-TW" altLang="en-US"/>
           </a:p>
@@ -6168,7 +6168,7 @@
           <a:p>
             <a:fld id="{7C15BCB2-EB72-44D8-B52E-EDF12BDF010A}" type="datetimeFigureOut">
               <a:rPr lang="zh-TW" altLang="en-US" smtClean="0"/>
-              <a:t>2022/1/4</a:t>
+              <a:t>2022/1/5</a:t>
             </a:fld>
             <a:endParaRPr lang="zh-TW" altLang="en-US"/>
           </a:p>
@@ -14010,14 +14010,7 @@
                 <a:cs typeface="+mn-ea"/>
                 <a:sym typeface="+mn-lt"/>
               </a:rPr>
-              <a:t>點擊</a:t>
-            </a:r>
-            <a:r>
-              <a:rPr lang="zh-TW" altLang="en-US" sz="2000" b="1" dirty="0" smtClean="0">
-                <a:cs typeface="+mn-ea"/>
-                <a:sym typeface="+mn-lt"/>
-              </a:rPr>
-              <a:t>編輯</a:t>
+              <a:t>點擊編輯</a:t>
             </a:r>
             <a:r>
               <a:rPr lang="en-US" altLang="zh-TW" sz="2000" b="1" dirty="0" smtClean="0">
@@ -14031,14 +14024,7 @@
                 <a:cs typeface="+mn-ea"/>
                 <a:sym typeface="+mn-lt"/>
               </a:rPr>
-              <a:t>取消編輯</a:t>
-            </a:r>
-            <a:r>
-              <a:rPr lang="zh-TW" altLang="en-US" sz="2000" b="1" dirty="0" smtClean="0">
-                <a:cs typeface="+mn-ea"/>
-                <a:sym typeface="+mn-lt"/>
-              </a:rPr>
-              <a:t>開關編輯功能</a:t>
+              <a:t>取消編輯開關編輯功能</a:t>
             </a:r>
             <a:endParaRPr lang="en-US" altLang="zh-TW" sz="2000" b="1" dirty="0">
               <a:cs typeface="+mn-ea"/>
@@ -14988,14 +14974,7 @@
                 <a:cs typeface="+mn-ea"/>
                 <a:sym typeface="+mn-lt"/>
               </a:rPr>
-              <a:t>點擊</a:t>
-            </a:r>
-            <a:r>
-              <a:rPr lang="zh-TW" altLang="en-US" sz="2000" b="1" dirty="0" smtClean="0">
-                <a:cs typeface="+mn-ea"/>
-                <a:sym typeface="+mn-lt"/>
-              </a:rPr>
-              <a:t>編輯</a:t>
+              <a:t>點擊編輯</a:t>
             </a:r>
             <a:r>
               <a:rPr lang="en-US" altLang="zh-TW" sz="2000" b="1" dirty="0" smtClean="0">
@@ -15009,14 +14988,7 @@
                 <a:cs typeface="+mn-ea"/>
                 <a:sym typeface="+mn-lt"/>
               </a:rPr>
-              <a:t>取消編輯</a:t>
-            </a:r>
-            <a:r>
-              <a:rPr lang="zh-TW" altLang="en-US" sz="2000" b="1" dirty="0" smtClean="0">
-                <a:cs typeface="+mn-ea"/>
-                <a:sym typeface="+mn-lt"/>
-              </a:rPr>
-              <a:t>開關編輯功能</a:t>
+              <a:t>取消編輯開關編輯功能</a:t>
             </a:r>
             <a:endParaRPr lang="en-US" altLang="zh-TW" sz="2000" b="1" dirty="0">
               <a:cs typeface="+mn-ea"/>

--- a/決標後.pptx
+++ b/決標後.pptx
@@ -5,17 +5,18 @@
     <p:sldMasterId id="2147483648" r:id="rId1"/>
   </p:sldMasterIdLst>
   <p:notesMasterIdLst>
-    <p:notesMasterId r:id="rId7"/>
+    <p:notesMasterId r:id="rId8"/>
   </p:notesMasterIdLst>
   <p:handoutMasterIdLst>
-    <p:handoutMasterId r:id="rId8"/>
+    <p:handoutMasterId r:id="rId9"/>
   </p:handoutMasterIdLst>
   <p:sldIdLst>
     <p:sldId id="1264" r:id="rId2"/>
-    <p:sldId id="1289" r:id="rId3"/>
-    <p:sldId id="1291" r:id="rId4"/>
-    <p:sldId id="1290" r:id="rId5"/>
-    <p:sldId id="1092" r:id="rId6"/>
+    <p:sldId id="1293" r:id="rId3"/>
+    <p:sldId id="1294" r:id="rId4"/>
+    <p:sldId id="1289" r:id="rId5"/>
+    <p:sldId id="1292" r:id="rId6"/>
+    <p:sldId id="1092" r:id="rId7"/>
   </p:sldIdLst>
   <p:sldSz cx="12192000" cy="6858000"/>
   <p:notesSz cx="6735763" cy="9869488"/>
@@ -120,9 +121,10 @@
         <p14:section name="決標後" id="{52D8980F-5260-4F98-8FBC-97F868CC6182}">
           <p14:sldIdLst>
             <p14:sldId id="1264"/>
+            <p14:sldId id="1293"/>
+            <p14:sldId id="1294"/>
             <p14:sldId id="1289"/>
-            <p14:sldId id="1291"/>
-            <p14:sldId id="1290"/>
+            <p14:sldId id="1292"/>
             <p14:sldId id="1092"/>
           </p14:sldIdLst>
         </p14:section>
@@ -825,7 +827,10 @@
               <a:rPr lang="zh-TW" altLang="en-US" dirty="0"/>
               <a:t>文字都用微軟正黑體</a:t>
             </a:r>
-            <a:endParaRPr lang="en-US" altLang="zh-TW" dirty="0"/>
+            <a:r>
+              <a:rPr lang="en-US" altLang="zh-TW" dirty="0"/>
+              <a:t>S</a:t>
+            </a:r>
           </a:p>
           <a:p>
             <a:r>
@@ -866,7 +871,7 @@
     </p:spTree>
     <p:extLst>
       <p:ext uri="{BB962C8B-B14F-4D97-AF65-F5344CB8AC3E}">
-        <p14:creationId xmlns:p14="http://schemas.microsoft.com/office/powerpoint/2010/main" val="841478701"/>
+        <p14:creationId xmlns:p14="http://schemas.microsoft.com/office/powerpoint/2010/main" val="2817976599"/>
       </p:ext>
     </p:extLst>
   </p:cSld>
@@ -969,7 +974,7 @@
     </p:spTree>
     <p:extLst>
       <p:ext uri="{BB962C8B-B14F-4D97-AF65-F5344CB8AC3E}">
-        <p14:creationId xmlns:p14="http://schemas.microsoft.com/office/powerpoint/2010/main" val="1284984951"/>
+        <p14:creationId xmlns:p14="http://schemas.microsoft.com/office/powerpoint/2010/main" val="649219125"/>
       </p:ext>
     </p:extLst>
   </p:cSld>
@@ -1072,7 +1077,110 @@
     </p:spTree>
     <p:extLst>
       <p:ext uri="{BB962C8B-B14F-4D97-AF65-F5344CB8AC3E}">
-        <p14:creationId xmlns:p14="http://schemas.microsoft.com/office/powerpoint/2010/main" val="2037539664"/>
+        <p14:creationId xmlns:p14="http://schemas.microsoft.com/office/powerpoint/2010/main" val="841478701"/>
+      </p:ext>
+    </p:extLst>
+  </p:cSld>
+  <p:clrMapOvr>
+    <a:masterClrMapping/>
+  </p:clrMapOvr>
+</p:notes>
+</file>
+
+<file path=ppt/notesSlides/notesSlide5.xml><?xml version="1.0" encoding="utf-8"?>
+<p:notes xmlns:a="http://schemas.openxmlformats.org/drawingml/2006/main" xmlns:r="http://schemas.openxmlformats.org/officeDocument/2006/relationships" xmlns:p="http://schemas.openxmlformats.org/presentationml/2006/main">
+  <p:cSld>
+    <p:spTree>
+      <p:nvGrpSpPr>
+        <p:cNvPr id="1" name=""/>
+        <p:cNvGrpSpPr/>
+        <p:nvPr/>
+      </p:nvGrpSpPr>
+      <p:grpSpPr>
+        <a:xfrm>
+          <a:off x="0" y="0"/>
+          <a:ext cx="0" cy="0"/>
+          <a:chOff x="0" y="0"/>
+          <a:chExt cx="0" cy="0"/>
+        </a:xfrm>
+      </p:grpSpPr>
+      <p:sp>
+        <p:nvSpPr>
+          <p:cNvPr id="2" name="投影片影像版面配置區 1"/>
+          <p:cNvSpPr>
+            <a:spLocks noGrp="1" noRot="1" noChangeAspect="1"/>
+          </p:cNvSpPr>
+          <p:nvPr>
+            <p:ph type="sldImg"/>
+          </p:nvPr>
+        </p:nvSpPr>
+        <p:spPr/>
+      </p:sp>
+      <p:sp>
+        <p:nvSpPr>
+          <p:cNvPr id="3" name="備忘稿版面配置區 2"/>
+          <p:cNvSpPr>
+            <a:spLocks noGrp="1"/>
+          </p:cNvSpPr>
+          <p:nvPr>
+            <p:ph type="body" idx="1"/>
+          </p:nvPr>
+        </p:nvSpPr>
+        <p:spPr/>
+        <p:txBody>
+          <a:bodyPr/>
+          <a:lstStyle/>
+          <a:p>
+            <a:r>
+              <a:rPr lang="en-US" altLang="zh-TW" dirty="0"/>
+              <a:t>1.</a:t>
+            </a:r>
+            <a:r>
+              <a:rPr lang="zh-TW" altLang="en-US" dirty="0"/>
+              <a:t>文字都用微軟正黑體</a:t>
+            </a:r>
+            <a:endParaRPr lang="en-US" altLang="zh-TW" dirty="0"/>
+          </a:p>
+          <a:p>
+            <a:r>
+              <a:rPr lang="en-US" altLang="zh-TW" dirty="0"/>
+              <a:t>2.</a:t>
+            </a:r>
+            <a:r>
+              <a:rPr lang="zh-TW" altLang="en-US" dirty="0"/>
+              <a:t>範例參照下張投影片</a:t>
+            </a:r>
+            <a:endParaRPr lang="en-US" altLang="zh-TW" dirty="0"/>
+          </a:p>
+        </p:txBody>
+      </p:sp>
+      <p:sp>
+        <p:nvSpPr>
+          <p:cNvPr id="4" name="投影片編號版面配置區 3"/>
+          <p:cNvSpPr>
+            <a:spLocks noGrp="1"/>
+          </p:cNvSpPr>
+          <p:nvPr>
+            <p:ph type="sldNum" sz="quarter" idx="5"/>
+          </p:nvPr>
+        </p:nvSpPr>
+        <p:spPr/>
+        <p:txBody>
+          <a:bodyPr/>
+          <a:lstStyle/>
+          <a:p>
+            <a:fld id="{FB9C1CDC-CB3F-4C6F-802F-7C071E69026E}" type="slidenum">
+              <a:rPr lang="zh-TW" altLang="en-US" smtClean="0"/>
+              <a:t>5</a:t>
+            </a:fld>
+            <a:endParaRPr lang="zh-TW" altLang="en-US"/>
+          </a:p>
+        </p:txBody>
+      </p:sp>
+    </p:spTree>
+    <p:extLst>
+      <p:ext uri="{BB962C8B-B14F-4D97-AF65-F5344CB8AC3E}">
+        <p14:creationId xmlns:p14="http://schemas.microsoft.com/office/powerpoint/2010/main" val="3611637982"/>
       </p:ext>
     </p:extLst>
   </p:cSld>
@@ -13595,14 +13703,14 @@
                 <a:t>標題 </a:t>
               </a:r>
               <a:r>
-                <a:rPr lang="en-US" altLang="zh-TW" sz="4400" b="1" spc="600" dirty="0" smtClean="0">
+                <a:rPr lang="en-US" altLang="zh-TW" sz="4400" b="1" spc="600" dirty="0">
                   <a:cs typeface="+mn-ea"/>
                   <a:sym typeface="+mn-lt"/>
                 </a:rPr>
                 <a:t>(</a:t>
               </a:r>
               <a:r>
-                <a:rPr lang="zh-TW" altLang="en-US" sz="4400" b="1" spc="600" dirty="0" smtClean="0">
+                <a:rPr lang="zh-TW" altLang="en-US" sz="4400" b="1" spc="600" dirty="0">
                   <a:cs typeface="+mn-ea"/>
                   <a:sym typeface="+mn-lt"/>
                 </a:rPr>
@@ -13645,13 +13753,6 @@
       </p:transition>
     </mc:Fallback>
   </mc:AlternateContent>
-  <p:timing>
-    <p:tnLst>
-      <p:par>
-        <p:cTn id="1" dur="indefinite" restart="never" nodeType="tmRoot"/>
-      </p:par>
-    </p:tnLst>
-  </p:timing>
 </p:sld>
 </file>
 
@@ -13706,7 +13807,7 @@
           <a:lstStyle/>
           <a:p>
             <a:r>
-              <a:rPr lang="zh-TW" altLang="en-US" sz="2400" b="1" dirty="0" smtClean="0">
+              <a:rPr lang="zh-TW" altLang="en-US" sz="2400" b="1" dirty="0">
                 <a:cs typeface="+mn-ea"/>
                 <a:sym typeface="+mn-lt"/>
               </a:rPr>
@@ -13866,7 +13967,7 @@
                 <a:cs typeface="+mn-ea"/>
                 <a:sym typeface="+mn-lt"/>
               </a:rPr>
-              <a:t>A5.1</a:t>
+              <a:t>A5</a:t>
             </a:r>
             <a:r>
               <a:rPr lang="zh-TW" altLang="en-US" sz="3200" b="1" dirty="0">
@@ -13876,37 +13977,7 @@
                 <a:cs typeface="+mn-ea"/>
                 <a:sym typeface="+mn-lt"/>
               </a:rPr>
-              <a:t>刊登決標</a:t>
-            </a:r>
-            <a:r>
-              <a:rPr lang="zh-TW" altLang="en-US" sz="3200" b="1" dirty="0" smtClean="0">
-                <a:solidFill>
-                  <a:srgbClr val="39759D"/>
-                </a:solidFill>
-                <a:cs typeface="+mn-ea"/>
-                <a:sym typeface="+mn-lt"/>
-              </a:rPr>
-              <a:t>公告及</a:t>
-            </a:r>
-            <a:r>
-              <a:rPr lang="zh-TW" altLang="en-US" sz="3200" b="1" dirty="0">
-                <a:solidFill>
-                  <a:srgbClr val="39759D"/>
-                </a:solidFill>
-                <a:cs typeface="+mn-ea"/>
-                <a:sym typeface="+mn-lt"/>
-              </a:rPr>
-              <a:t>通知投標</a:t>
-            </a:r>
-            <a:r>
-              <a:rPr lang="zh-TW" altLang="en-US" sz="3200" b="1" dirty="0" smtClean="0">
-                <a:solidFill>
-                  <a:srgbClr val="39759D"/>
-                </a:solidFill>
-                <a:cs typeface="+mn-ea"/>
-                <a:sym typeface="+mn-lt"/>
-              </a:rPr>
-              <a:t>廠商</a:t>
+              <a:t> 純上傳文件流程</a:t>
             </a:r>
             <a:endParaRPr lang="zh-TW" altLang="en-US" sz="3200" b="1" dirty="0">
               <a:solidFill>
@@ -13961,78 +14032,6 @@
           </a:fontRef>
         </p:style>
       </p:cxnSp>
-      <p:sp>
-        <p:nvSpPr>
-          <p:cNvPr id="8" name="文字方塊 7">
-            <a:extLst>
-              <a:ext uri="{FF2B5EF4-FFF2-40B4-BE49-F238E27FC236}">
-                <a16:creationId xmlns:a16="http://schemas.microsoft.com/office/drawing/2014/main" id="{62B3DF71-B9CD-44D7-B25D-900103958020}"/>
-              </a:ext>
-            </a:extLst>
-          </p:cNvPr>
-          <p:cNvSpPr txBox="1"/>
-          <p:nvPr/>
-        </p:nvSpPr>
-        <p:spPr>
-          <a:xfrm flipH="1">
-            <a:off x="6756100" y="1924865"/>
-            <a:ext cx="2482029" cy="783193"/>
-          </a:xfrm>
-          <a:prstGeom prst="wedgeRoundRectCallout">
-            <a:avLst>
-              <a:gd name="adj1" fmla="val -57762"/>
-              <a:gd name="adj2" fmla="val 29823"/>
-              <a:gd name="adj3" fmla="val 16667"/>
-            </a:avLst>
-          </a:prstGeom>
-          <a:solidFill>
-            <a:schemeClr val="accent4">
-              <a:lumMod val="20000"/>
-              <a:lumOff val="80000"/>
-            </a:schemeClr>
-          </a:solidFill>
-        </p:spPr>
-        <p:txBody>
-          <a:bodyPr wrap="square" rtlCol="0">
-            <a:spAutoFit/>
-          </a:bodyPr>
-          <a:lstStyle/>
-          <a:p>
-            <a:r>
-              <a:rPr lang="en-US" altLang="zh-TW" sz="2000" b="1" dirty="0" smtClean="0">
-                <a:cs typeface="+mn-ea"/>
-                <a:sym typeface="+mn-lt"/>
-              </a:rPr>
-              <a:t>1.</a:t>
-            </a:r>
-            <a:r>
-              <a:rPr lang="zh-TW" altLang="en-US" sz="2000" b="1" dirty="0" smtClean="0">
-                <a:cs typeface="+mn-ea"/>
-                <a:sym typeface="+mn-lt"/>
-              </a:rPr>
-              <a:t>點擊編輯</a:t>
-            </a:r>
-            <a:r>
-              <a:rPr lang="en-US" altLang="zh-TW" sz="2000" b="1" dirty="0" smtClean="0">
-                <a:cs typeface="+mn-ea"/>
-                <a:sym typeface="+mn-lt"/>
-              </a:rPr>
-              <a:t>/</a:t>
-            </a:r>
-            <a:r>
-              <a:rPr lang="zh-TW" altLang="en-US" sz="2000" b="1" dirty="0" smtClean="0">
-                <a:cs typeface="+mn-ea"/>
-                <a:sym typeface="+mn-lt"/>
-              </a:rPr>
-              <a:t>取消編輯開關編輯功能</a:t>
-            </a:r>
-            <a:endParaRPr lang="en-US" altLang="zh-TW" sz="2000" b="1" dirty="0">
-              <a:cs typeface="+mn-ea"/>
-              <a:sym typeface="+mn-lt"/>
-            </a:endParaRPr>
-          </a:p>
-        </p:txBody>
-      </p:sp>
       <p:pic>
         <p:nvPicPr>
           <p:cNvPr id="16" name="圖片 15"/>
@@ -14051,54 +14050,6 @@
           <a:xfrm>
             <a:off x="343333" y="1476375"/>
             <a:ext cx="6170720" cy="4628040"/>
-          </a:xfrm>
-          <a:prstGeom prst="rect">
-            <a:avLst/>
-          </a:prstGeom>
-        </p:spPr>
-      </p:pic>
-      <p:pic>
-        <p:nvPicPr>
-          <p:cNvPr id="20" name="圖片 19"/>
-          <p:cNvPicPr>
-            <a:picLocks noChangeAspect="1"/>
-          </p:cNvPicPr>
-          <p:nvPr/>
-        </p:nvPicPr>
-        <p:blipFill>
-          <a:blip r:embed="rId4"/>
-          <a:stretch>
-            <a:fillRect/>
-          </a:stretch>
-        </p:blipFill>
-        <p:spPr>
-          <a:xfrm>
-            <a:off x="9489945" y="2426614"/>
-            <a:ext cx="1428571" cy="657143"/>
-          </a:xfrm>
-          <a:prstGeom prst="rect">
-            <a:avLst/>
-          </a:prstGeom>
-        </p:spPr>
-      </p:pic>
-      <p:pic>
-        <p:nvPicPr>
-          <p:cNvPr id="22" name="圖片 21"/>
-          <p:cNvPicPr>
-            <a:picLocks noChangeAspect="1"/>
-          </p:cNvPicPr>
-          <p:nvPr/>
-        </p:nvPicPr>
-        <p:blipFill>
-          <a:blip r:embed="rId5"/>
-          <a:stretch>
-            <a:fillRect/>
-          </a:stretch>
-        </p:blipFill>
-        <p:spPr>
-          <a:xfrm>
-            <a:off x="9453281" y="1691927"/>
-            <a:ext cx="1114286" cy="647619"/>
           </a:xfrm>
           <a:prstGeom prst="rect">
             <a:avLst/>
@@ -14159,8 +14110,8 @@
         </p:nvSpPr>
         <p:spPr>
           <a:xfrm>
-            <a:off x="6756100" y="3318293"/>
-            <a:ext cx="2690160" cy="646331"/>
+            <a:off x="6606466" y="1671081"/>
+            <a:ext cx="5091778" cy="369332"/>
           </a:xfrm>
           <a:prstGeom prst="rect">
             <a:avLst/>
@@ -14178,27 +14129,19 @@
           </a:ln>
         </p:spPr>
         <p:txBody>
-          <a:bodyPr wrap="none" rtlCol="0">
+          <a:bodyPr wrap="square" rtlCol="0">
             <a:spAutoFit/>
           </a:bodyPr>
           <a:lstStyle/>
           <a:p>
             <a:r>
-              <a:rPr lang="en-US" altLang="zh-TW" b="1" dirty="0" smtClean="0"/>
+              <a:rPr lang="en-US" altLang="zh-TW" b="1" dirty="0"/>
               <a:t>2.</a:t>
             </a:r>
             <a:r>
-              <a:rPr lang="zh-TW" altLang="en-US" b="1" dirty="0" smtClean="0"/>
-              <a:t>選擇文件類型並點擊新</a:t>
+              <a:rPr lang="zh-TW" altLang="en-US" b="1" dirty="0"/>
+              <a:t>選擇文件類型並點擊新增文件按鈕以上傳文件</a:t>
             </a:r>
-            <a:endParaRPr lang="en-US" altLang="zh-TW" b="1" dirty="0" smtClean="0"/>
-          </a:p>
-          <a:p>
-            <a:r>
-              <a:rPr lang="zh-TW" altLang="en-US" b="1" dirty="0" smtClean="0"/>
-              <a:t>增文件按鈕以上傳文件</a:t>
-            </a:r>
-            <a:endParaRPr lang="zh-TW" altLang="en-US" b="1" dirty="0"/>
           </a:p>
         </p:txBody>
       </p:sp>
@@ -14322,43 +14265,6 @@
           </a:fontRef>
         </p:style>
       </p:cxnSp>
-      <p:cxnSp>
-        <p:nvCxnSpPr>
-          <p:cNvPr id="44" name="肘形接點 43"/>
-          <p:cNvCxnSpPr>
-            <a:endCxn id="30" idx="1"/>
-          </p:cNvCxnSpPr>
-          <p:nvPr/>
-        </p:nvCxnSpPr>
-        <p:spPr>
-          <a:xfrm flipV="1">
-            <a:off x="4531659" y="3641459"/>
-            <a:ext cx="2224441" cy="699178"/>
-          </a:xfrm>
-          <a:prstGeom prst="bentConnector3">
-            <a:avLst/>
-          </a:prstGeom>
-          <a:ln w="9525">
-            <a:solidFill>
-              <a:srgbClr val="FF0000"/>
-            </a:solidFill>
-          </a:ln>
-        </p:spPr>
-        <p:style>
-          <a:lnRef idx="1">
-            <a:schemeClr val="accent1"/>
-          </a:lnRef>
-          <a:fillRef idx="0">
-            <a:schemeClr val="accent1"/>
-          </a:fillRef>
-          <a:effectRef idx="0">
-            <a:schemeClr val="accent1"/>
-          </a:effectRef>
-          <a:fontRef idx="minor">
-            <a:schemeClr val="tx1"/>
-          </a:fontRef>
-        </p:style>
-      </p:cxnSp>
       <p:sp>
         <p:nvSpPr>
           <p:cNvPr id="46" name="矩形 45"/>
@@ -14409,15 +14315,15 @@
         <p:nvCxnSpPr>
           <p:cNvPr id="48" name="直線接點 47"/>
           <p:cNvCxnSpPr>
+            <a:cxnSpLocks/>
             <a:stCxn id="46" idx="3"/>
-            <a:endCxn id="51" idx="1"/>
           </p:cNvCxnSpPr>
           <p:nvPr/>
         </p:nvCxnSpPr>
         <p:spPr>
-          <a:xfrm flipV="1">
-            <a:off x="2864224" y="5372825"/>
-            <a:ext cx="3878429" cy="26169"/>
+          <a:xfrm>
+            <a:off x="2864224" y="5398994"/>
+            <a:ext cx="3695326" cy="0"/>
           </a:xfrm>
           <a:prstGeom prst="line">
             <a:avLst/>
@@ -14451,8 +14357,8 @@
         </p:nvSpPr>
         <p:spPr>
           <a:xfrm>
-            <a:off x="6742653" y="5049659"/>
-            <a:ext cx="3485249" cy="646331"/>
+            <a:off x="6620347" y="2282866"/>
+            <a:ext cx="5426308" cy="369332"/>
           </a:xfrm>
           <a:prstGeom prst="rect">
             <a:avLst/>
@@ -14470,39 +14376,27 @@
           </a:ln>
         </p:spPr>
         <p:txBody>
-          <a:bodyPr wrap="none" rtlCol="0">
+          <a:bodyPr wrap="square" rtlCol="0">
             <a:spAutoFit/>
           </a:bodyPr>
           <a:lstStyle/>
           <a:p>
             <a:r>
               <a:rPr lang="en-US" altLang="zh-TW" b="1" dirty="0"/>
-              <a:t>3</a:t>
+              <a:t>3.</a:t>
             </a:r>
             <a:r>
-              <a:rPr lang="en-US" altLang="zh-TW" b="1" dirty="0" smtClean="0"/>
-              <a:t>.</a:t>
-            </a:r>
-            <a:r>
-              <a:rPr lang="zh-TW" altLang="en-US" b="1" dirty="0" smtClean="0"/>
+              <a:rPr lang="zh-TW" altLang="en-US" b="1" dirty="0"/>
               <a:t>選擇辦理狀態後選擇完成</a:t>
             </a:r>
             <a:r>
-              <a:rPr lang="en-US" altLang="zh-TW" b="1" dirty="0" smtClean="0"/>
+              <a:rPr lang="en-US" altLang="zh-TW" b="1" dirty="0"/>
               <a:t>/</a:t>
             </a:r>
             <a:r>
-              <a:rPr lang="zh-TW" altLang="en-US" b="1" dirty="0" smtClean="0"/>
-              <a:t>取消</a:t>
+              <a:rPr lang="zh-TW" altLang="en-US" b="1" dirty="0"/>
+              <a:t>取消來完成或放棄編輯。</a:t>
             </a:r>
-            <a:endParaRPr lang="en-US" altLang="zh-TW" b="1" dirty="0" smtClean="0"/>
-          </a:p>
-          <a:p>
-            <a:r>
-              <a:rPr lang="zh-TW" altLang="en-US" b="1" dirty="0" smtClean="0"/>
-              <a:t>來完成或放棄編輯。</a:t>
-            </a:r>
-            <a:endParaRPr lang="zh-TW" altLang="en-US" b="1" dirty="0"/>
           </a:p>
         </p:txBody>
       </p:sp>
@@ -14556,17 +14450,413 @@
         <p:nvCxnSpPr>
           <p:cNvPr id="60" name="肘形接點 59"/>
           <p:cNvCxnSpPr>
+            <a:cxnSpLocks/>
             <a:stCxn id="54" idx="3"/>
-            <a:endCxn id="51" idx="2"/>
+            <a:endCxn id="51" idx="1"/>
           </p:cNvCxnSpPr>
           <p:nvPr/>
         </p:nvCxnSpPr>
         <p:spPr>
           <a:xfrm flipV="1">
-            <a:off x="6514053" y="5695990"/>
-            <a:ext cx="1971225" cy="242623"/>
-          </a:xfrm>
-          <a:prstGeom prst="bentConnector2">
+            <a:off x="6514053" y="2467532"/>
+            <a:ext cx="106294" cy="3471081"/>
+          </a:xfrm>
+          <a:prstGeom prst="bentConnector3">
+            <a:avLst>
+              <a:gd name="adj1" fmla="val 50000"/>
+            </a:avLst>
+          </a:prstGeom>
+          <a:ln>
+            <a:solidFill>
+              <a:srgbClr val="FF0000"/>
+            </a:solidFill>
+          </a:ln>
+        </p:spPr>
+        <p:style>
+          <a:lnRef idx="1">
+            <a:schemeClr val="accent1"/>
+          </a:lnRef>
+          <a:fillRef idx="0">
+            <a:schemeClr val="accent1"/>
+          </a:fillRef>
+          <a:effectRef idx="0">
+            <a:schemeClr val="accent1"/>
+          </a:effectRef>
+          <a:fontRef idx="minor">
+            <a:schemeClr val="tx1"/>
+          </a:fontRef>
+        </p:style>
+      </p:cxnSp>
+      <p:sp>
+        <p:nvSpPr>
+          <p:cNvPr id="27" name="文字方塊 26">
+            <a:extLst>
+              <a:ext uri="{FF2B5EF4-FFF2-40B4-BE49-F238E27FC236}">
+                <a16:creationId xmlns:a16="http://schemas.microsoft.com/office/drawing/2014/main" id="{8F89D145-F36C-4384-AED9-60371C4F2CFF}"/>
+              </a:ext>
+            </a:extLst>
+          </p:cNvPr>
+          <p:cNvSpPr txBox="1"/>
+          <p:nvPr/>
+        </p:nvSpPr>
+        <p:spPr>
+          <a:xfrm>
+            <a:off x="7165286" y="3132559"/>
+            <a:ext cx="4881369" cy="2826306"/>
+          </a:xfrm>
+          <a:prstGeom prst="wedgeRoundRectCallout">
+            <a:avLst>
+              <a:gd name="adj1" fmla="val -57762"/>
+              <a:gd name="adj2" fmla="val 29823"/>
+              <a:gd name="adj3" fmla="val 16667"/>
+            </a:avLst>
+          </a:prstGeom>
+          <a:solidFill>
+            <a:schemeClr val="accent4">
+              <a:lumMod val="20000"/>
+              <a:lumOff val="80000"/>
+            </a:schemeClr>
+          </a:solidFill>
+        </p:spPr>
+        <p:txBody>
+          <a:bodyPr wrap="square" rtlCol="0">
+            <a:spAutoFit/>
+          </a:bodyPr>
+          <a:lstStyle/>
+          <a:p>
+            <a:r>
+              <a:rPr lang="zh-TW" altLang="en-US" sz="2000" b="1" dirty="0">
+                <a:cs typeface="+mn-ea"/>
+                <a:sym typeface="+mn-lt"/>
+              </a:rPr>
+              <a:t>以下功能為相同操作方式：</a:t>
+            </a:r>
+            <a:endParaRPr lang="en-US" altLang="zh-TW" sz="2000" b="1" dirty="0">
+              <a:cs typeface="+mn-ea"/>
+              <a:sym typeface="+mn-lt"/>
+            </a:endParaRPr>
+          </a:p>
+          <a:p>
+            <a:r>
+              <a:rPr lang="en-US" altLang="zh-TW" sz="2000" b="1" dirty="0">
+                <a:cs typeface="+mn-ea"/>
+                <a:sym typeface="+mn-lt"/>
+              </a:rPr>
+              <a:t>A5.1 </a:t>
+            </a:r>
+            <a:r>
+              <a:rPr lang="zh-TW" altLang="en-US" sz="2000" b="1" dirty="0">
+                <a:cs typeface="+mn-ea"/>
+                <a:sym typeface="+mn-lt"/>
+              </a:rPr>
+              <a:t>刊登決標公告及通知投標廠商</a:t>
+            </a:r>
+            <a:endParaRPr lang="en-US" altLang="zh-TW" sz="2000" b="1" dirty="0">
+              <a:cs typeface="+mn-ea"/>
+              <a:sym typeface="+mn-lt"/>
+            </a:endParaRPr>
+          </a:p>
+          <a:p>
+            <a:r>
+              <a:rPr lang="en-US" altLang="zh-TW" sz="2000" b="1" dirty="0">
+                <a:cs typeface="+mn-ea"/>
+                <a:sym typeface="+mn-lt"/>
+              </a:rPr>
+              <a:t>A5.2 </a:t>
+            </a:r>
+            <a:r>
+              <a:rPr lang="zh-TW" altLang="en-US" sz="2000" b="1" dirty="0">
+                <a:cs typeface="+mn-ea"/>
+                <a:sym typeface="+mn-lt"/>
+              </a:rPr>
+              <a:t>核對資格文件正本</a:t>
+            </a:r>
+            <a:endParaRPr lang="en-US" altLang="zh-TW" sz="2000" b="1" dirty="0">
+              <a:cs typeface="+mn-ea"/>
+              <a:sym typeface="+mn-lt"/>
+            </a:endParaRPr>
+          </a:p>
+          <a:p>
+            <a:r>
+              <a:rPr lang="en-US" altLang="zh-TW" sz="2000" b="1" dirty="0">
+                <a:cs typeface="+mn-ea"/>
+                <a:sym typeface="+mn-lt"/>
+              </a:rPr>
+              <a:t>A6.1 </a:t>
+            </a:r>
+            <a:r>
+              <a:rPr lang="zh-TW" altLang="en-US" sz="2000" b="1" dirty="0">
+                <a:cs typeface="+mn-ea"/>
+                <a:sym typeface="+mn-lt"/>
+              </a:rPr>
+              <a:t>採購文件紙本編目成冊</a:t>
+            </a:r>
+            <a:endParaRPr lang="en-US" altLang="zh-TW" sz="2000" b="1" dirty="0">
+              <a:cs typeface="+mn-ea"/>
+              <a:sym typeface="+mn-lt"/>
+            </a:endParaRPr>
+          </a:p>
+          <a:p>
+            <a:r>
+              <a:rPr lang="en-US" altLang="zh-TW" sz="2000" b="1" dirty="0">
+                <a:cs typeface="+mn-ea"/>
+                <a:sym typeface="+mn-lt"/>
+              </a:rPr>
+              <a:t>A6.2 </a:t>
+            </a:r>
+            <a:r>
+              <a:rPr lang="zh-TW" altLang="en-US" sz="2000" b="1" dirty="0">
+                <a:cs typeface="+mn-ea"/>
+                <a:sym typeface="+mn-lt"/>
+              </a:rPr>
+              <a:t>招標文件、契約文件及錄影畫面</a:t>
+            </a:r>
+            <a:endParaRPr lang="en-US" altLang="zh-TW" sz="2000" b="1" dirty="0">
+              <a:cs typeface="+mn-ea"/>
+              <a:sym typeface="+mn-lt"/>
+            </a:endParaRPr>
+          </a:p>
+          <a:p>
+            <a:r>
+              <a:rPr lang="en-US" altLang="zh-TW" sz="2000" b="1" dirty="0">
+                <a:cs typeface="+mn-ea"/>
+                <a:sym typeface="+mn-lt"/>
+              </a:rPr>
+              <a:t>          </a:t>
+            </a:r>
+            <a:r>
+              <a:rPr lang="zh-TW" altLang="en-US" sz="2000" b="1" dirty="0">
+                <a:cs typeface="+mn-ea"/>
+                <a:sym typeface="+mn-lt"/>
+              </a:rPr>
+              <a:t>電子存檔</a:t>
+            </a:r>
+            <a:endParaRPr lang="en-US" altLang="zh-TW" sz="2000" b="1" dirty="0">
+              <a:cs typeface="+mn-ea"/>
+              <a:sym typeface="+mn-lt"/>
+            </a:endParaRPr>
+          </a:p>
+          <a:p>
+            <a:r>
+              <a:rPr lang="en-US" altLang="zh-TW" sz="2000" b="1" dirty="0">
+                <a:cs typeface="+mn-ea"/>
+                <a:sym typeface="+mn-lt"/>
+              </a:rPr>
+              <a:t>A6.3 </a:t>
+            </a:r>
+            <a:r>
+              <a:rPr lang="zh-TW" altLang="en-US" sz="2000" b="1" dirty="0">
+                <a:cs typeface="+mn-ea"/>
+                <a:sym typeface="+mn-lt"/>
+              </a:rPr>
+              <a:t>簽報歸檔作業</a:t>
+            </a:r>
+            <a:endParaRPr lang="en-US" altLang="zh-TW" sz="2000" b="1" dirty="0">
+              <a:cs typeface="+mn-ea"/>
+              <a:sym typeface="+mn-lt"/>
+            </a:endParaRPr>
+          </a:p>
+          <a:p>
+            <a:r>
+              <a:rPr lang="en-US" altLang="zh-TW" sz="2000" b="1" dirty="0">
+                <a:cs typeface="+mn-ea"/>
+                <a:sym typeface="+mn-lt"/>
+              </a:rPr>
+              <a:t>A6.4 </a:t>
+            </a:r>
+            <a:r>
+              <a:rPr lang="zh-TW" altLang="en-US" sz="2000" b="1" dirty="0">
+                <a:cs typeface="+mn-ea"/>
+                <a:sym typeface="+mn-lt"/>
+              </a:rPr>
+              <a:t>上傳工程契約書及圖說電子檔</a:t>
+            </a:r>
+            <a:endParaRPr lang="en-US" altLang="zh-TW" sz="2000" b="1" dirty="0">
+              <a:cs typeface="+mn-ea"/>
+              <a:sym typeface="+mn-lt"/>
+            </a:endParaRPr>
+          </a:p>
+        </p:txBody>
+      </p:sp>
+      <p:sp>
+        <p:nvSpPr>
+          <p:cNvPr id="8" name="文字方塊 7">
+            <a:extLst>
+              <a:ext uri="{FF2B5EF4-FFF2-40B4-BE49-F238E27FC236}">
+                <a16:creationId xmlns:a16="http://schemas.microsoft.com/office/drawing/2014/main" id="{62B3DF71-B9CD-44D7-B25D-900103958020}"/>
+              </a:ext>
+            </a:extLst>
+          </p:cNvPr>
+          <p:cNvSpPr txBox="1"/>
+          <p:nvPr/>
+        </p:nvSpPr>
+        <p:spPr>
+          <a:xfrm flipH="1">
+            <a:off x="1297278" y="2232618"/>
+            <a:ext cx="4300496" cy="442674"/>
+          </a:xfrm>
+          <a:prstGeom prst="wedgeRoundRectCallout">
+            <a:avLst>
+              <a:gd name="adj1" fmla="val -57762"/>
+              <a:gd name="adj2" fmla="val 29823"/>
+              <a:gd name="adj3" fmla="val 16667"/>
+            </a:avLst>
+          </a:prstGeom>
+          <a:solidFill>
+            <a:schemeClr val="accent4">
+              <a:lumMod val="20000"/>
+              <a:lumOff val="80000"/>
+            </a:schemeClr>
+          </a:solidFill>
+        </p:spPr>
+        <p:txBody>
+          <a:bodyPr wrap="square" rtlCol="0">
+            <a:spAutoFit/>
+          </a:bodyPr>
+          <a:lstStyle/>
+          <a:p>
+            <a:r>
+              <a:rPr lang="en-US" altLang="zh-TW" sz="2000" b="1" dirty="0">
+                <a:cs typeface="+mn-ea"/>
+                <a:sym typeface="+mn-lt"/>
+              </a:rPr>
+              <a:t>1.</a:t>
+            </a:r>
+            <a:r>
+              <a:rPr lang="zh-TW" altLang="en-US" sz="2000" b="1" dirty="0">
+                <a:cs typeface="+mn-ea"/>
+                <a:sym typeface="+mn-lt"/>
+              </a:rPr>
+              <a:t>點擊編輯</a:t>
+            </a:r>
+            <a:r>
+              <a:rPr lang="en-US" altLang="zh-TW" sz="2000" b="1" dirty="0">
+                <a:cs typeface="+mn-ea"/>
+                <a:sym typeface="+mn-lt"/>
+              </a:rPr>
+              <a:t>/</a:t>
+            </a:r>
+            <a:r>
+              <a:rPr lang="zh-TW" altLang="en-US" sz="2000" b="1" dirty="0">
+                <a:cs typeface="+mn-ea"/>
+                <a:sym typeface="+mn-lt"/>
+              </a:rPr>
+              <a:t>取消編輯開關編輯功能</a:t>
+            </a:r>
+            <a:endParaRPr lang="en-US" altLang="zh-TW" sz="2000" b="1" dirty="0">
+              <a:cs typeface="+mn-ea"/>
+              <a:sym typeface="+mn-lt"/>
+            </a:endParaRPr>
+          </a:p>
+        </p:txBody>
+      </p:sp>
+      <p:cxnSp>
+        <p:nvCxnSpPr>
+          <p:cNvPr id="25" name="直線接點 24">
+            <a:extLst>
+              <a:ext uri="{FF2B5EF4-FFF2-40B4-BE49-F238E27FC236}">
+                <a16:creationId xmlns:a16="http://schemas.microsoft.com/office/drawing/2014/main" id="{E20659F6-BF57-476D-9E3C-F855CD029EA2}"/>
+              </a:ext>
+            </a:extLst>
+          </p:cNvPr>
+          <p:cNvCxnSpPr>
+            <a:cxnSpLocks/>
+            <a:stCxn id="30" idx="1"/>
+          </p:cNvCxnSpPr>
+          <p:nvPr/>
+        </p:nvCxnSpPr>
+        <p:spPr>
+          <a:xfrm flipH="1">
+            <a:off x="6274676" y="1855747"/>
+            <a:ext cx="331790" cy="0"/>
+          </a:xfrm>
+          <a:prstGeom prst="line">
+            <a:avLst/>
+          </a:prstGeom>
+          <a:ln>
+            <a:solidFill>
+              <a:srgbClr val="FF0000"/>
+            </a:solidFill>
+          </a:ln>
+        </p:spPr>
+        <p:style>
+          <a:lnRef idx="1">
+            <a:schemeClr val="accent1"/>
+          </a:lnRef>
+          <a:fillRef idx="0">
+            <a:schemeClr val="accent1"/>
+          </a:fillRef>
+          <a:effectRef idx="0">
+            <a:schemeClr val="accent1"/>
+          </a:effectRef>
+          <a:fontRef idx="minor">
+            <a:schemeClr val="tx1"/>
+          </a:fontRef>
+        </p:style>
+      </p:cxnSp>
+      <p:cxnSp>
+        <p:nvCxnSpPr>
+          <p:cNvPr id="32" name="直線接點 31">
+            <a:extLst>
+              <a:ext uri="{FF2B5EF4-FFF2-40B4-BE49-F238E27FC236}">
+                <a16:creationId xmlns:a16="http://schemas.microsoft.com/office/drawing/2014/main" id="{94F51EBC-4050-4932-B984-DDBB6D495930}"/>
+              </a:ext>
+            </a:extLst>
+          </p:cNvPr>
+          <p:cNvCxnSpPr>
+            <a:cxnSpLocks/>
+          </p:cNvCxnSpPr>
+          <p:nvPr/>
+        </p:nvCxnSpPr>
+        <p:spPr>
+          <a:xfrm>
+            <a:off x="6274676" y="1855747"/>
+            <a:ext cx="0" cy="2535725"/>
+          </a:xfrm>
+          <a:prstGeom prst="line">
+            <a:avLst/>
+          </a:prstGeom>
+          <a:ln>
+            <a:solidFill>
+              <a:srgbClr val="FF0000"/>
+            </a:solidFill>
+          </a:ln>
+        </p:spPr>
+        <p:style>
+          <a:lnRef idx="1">
+            <a:schemeClr val="accent1"/>
+          </a:lnRef>
+          <a:fillRef idx="0">
+            <a:schemeClr val="accent1"/>
+          </a:fillRef>
+          <a:effectRef idx="0">
+            <a:schemeClr val="accent1"/>
+          </a:effectRef>
+          <a:fontRef idx="minor">
+            <a:schemeClr val="tx1"/>
+          </a:fontRef>
+        </p:style>
+      </p:cxnSp>
+      <p:cxnSp>
+        <p:nvCxnSpPr>
+          <p:cNvPr id="34" name="直線接點 33">
+            <a:extLst>
+              <a:ext uri="{FF2B5EF4-FFF2-40B4-BE49-F238E27FC236}">
+                <a16:creationId xmlns:a16="http://schemas.microsoft.com/office/drawing/2014/main" id="{3986B839-6B69-4579-AE16-5F9B7E7310BB}"/>
+              </a:ext>
+            </a:extLst>
+          </p:cNvPr>
+          <p:cNvCxnSpPr>
+            <a:cxnSpLocks/>
+          </p:cNvCxnSpPr>
+          <p:nvPr/>
+        </p:nvCxnSpPr>
+        <p:spPr>
+          <a:xfrm flipH="1">
+            <a:off x="4497454" y="4391472"/>
+            <a:ext cx="1777222" cy="0"/>
+          </a:xfrm>
+          <a:prstGeom prst="line">
             <a:avLst/>
           </a:prstGeom>
           <a:ln>
@@ -14593,7 +14883,7 @@
     </p:spTree>
     <p:extLst>
       <p:ext uri="{BB962C8B-B14F-4D97-AF65-F5344CB8AC3E}">
-        <p14:creationId xmlns:p14="http://schemas.microsoft.com/office/powerpoint/2010/main" val="3638462360"/>
+        <p14:creationId xmlns:p14="http://schemas.microsoft.com/office/powerpoint/2010/main" val="3917044541"/>
       </p:ext>
     </p:extLst>
   </p:cSld>
@@ -14612,13 +14902,6 @@
       </p:transition>
     </mc:Fallback>
   </mc:AlternateContent>
-  <p:timing>
-    <p:tnLst>
-      <p:par>
-        <p:cTn id="1" dur="indefinite" restart="never" nodeType="tmRoot"/>
-      </p:par>
-    </p:tnLst>
-  </p:timing>
 </p:sld>
 </file>
 
@@ -14641,7 +14924,13 @@
       </p:grpSpPr>
       <p:pic>
         <p:nvPicPr>
-          <p:cNvPr id="2" name="圖片 1"/>
+          <p:cNvPr id="8" name="圖片 7">
+            <a:extLst>
+              <a:ext uri="{FF2B5EF4-FFF2-40B4-BE49-F238E27FC236}">
+                <a16:creationId xmlns:a16="http://schemas.microsoft.com/office/drawing/2014/main" id="{1C16EEAF-5FDE-483F-8913-7D33CEDF8BBA}"/>
+              </a:ext>
+            </a:extLst>
+          </p:cNvPr>
           <p:cNvPicPr>
             <a:picLocks noChangeAspect="1"/>
           </p:cNvPicPr>
@@ -14655,15 +14944,12 @@
         </p:blipFill>
         <p:spPr>
           <a:xfrm>
-            <a:off x="407184" y="1514697"/>
-            <a:ext cx="6006016" cy="4571187"/>
+            <a:off x="250447" y="1564161"/>
+            <a:ext cx="5553401" cy="2377218"/>
           </a:xfrm>
           <a:prstGeom prst="rect">
             <a:avLst/>
           </a:prstGeom>
-          <a:ln>
-            <a:noFill/>
-          </a:ln>
         </p:spPr>
       </p:pic>
       <p:sp>
@@ -14700,11 +14986,11 @@
           <a:lstStyle/>
           <a:p>
             <a:r>
-              <a:rPr lang="zh-TW" altLang="en-US" sz="2400" b="1" dirty="0" smtClean="0">
+              <a:rPr lang="zh-TW" altLang="en-US" sz="2400" b="1" dirty="0">
                 <a:cs typeface="+mn-ea"/>
                 <a:sym typeface="+mn-lt"/>
               </a:rPr>
-              <a:t>點擊編輯以上傳相關文件，並在選取狀態後點擊完成。</a:t>
+              <a:t>文件上傳操作說明</a:t>
             </a:r>
             <a:endParaRPr lang="en-US" altLang="zh-TW" sz="2400" b="1" dirty="0">
               <a:cs typeface="+mn-ea"/>
@@ -14853,14 +15139,14 @@
               <a:t> </a:t>
             </a:r>
             <a:r>
-              <a:rPr lang="en-US" altLang="zh-TW" sz="3200" b="1" dirty="0" smtClean="0">
+              <a:rPr lang="en-US" altLang="zh-TW" sz="3200" b="1" dirty="0">
                 <a:solidFill>
                   <a:srgbClr val="39759D"/>
                 </a:solidFill>
                 <a:cs typeface="+mn-ea"/>
                 <a:sym typeface="+mn-lt"/>
               </a:rPr>
-              <a:t>A5.2</a:t>
+              <a:t>A5</a:t>
             </a:r>
             <a:r>
               <a:rPr lang="zh-TW" altLang="en-US" sz="3200" b="1" dirty="0">
@@ -14870,7 +15156,7 @@
                 <a:cs typeface="+mn-ea"/>
                 <a:sym typeface="+mn-lt"/>
               </a:rPr>
-              <a:t>核對資格文件正本</a:t>
+              <a:t> 文件上傳</a:t>
             </a:r>
             <a:endParaRPr lang="zh-TW" altLang="en-US" sz="3200" b="1" dirty="0">
               <a:solidFill>
@@ -14899,7 +15185,7 @@
         <p:spPr>
           <a:xfrm>
             <a:off x="136200" y="695773"/>
-            <a:ext cx="4395459" cy="0"/>
+            <a:ext cx="2533428" cy="0"/>
           </a:xfrm>
           <a:prstGeom prst="line">
             <a:avLst/>
@@ -14908,6 +15194,145 @@
             <a:solidFill>
               <a:srgbClr val="39759D"/>
             </a:solidFill>
+          </a:ln>
+        </p:spPr>
+        <p:style>
+          <a:lnRef idx="1">
+            <a:schemeClr val="accent1"/>
+          </a:lnRef>
+          <a:fillRef idx="0">
+            <a:schemeClr val="accent1"/>
+          </a:fillRef>
+          <a:effectRef idx="0">
+            <a:schemeClr val="accent1"/>
+          </a:effectRef>
+          <a:fontRef idx="minor">
+            <a:schemeClr val="tx1"/>
+          </a:fontRef>
+        </p:style>
+      </p:cxnSp>
+      <p:pic>
+        <p:nvPicPr>
+          <p:cNvPr id="10" name="圖片 9">
+            <a:extLst>
+              <a:ext uri="{FF2B5EF4-FFF2-40B4-BE49-F238E27FC236}">
+                <a16:creationId xmlns:a16="http://schemas.microsoft.com/office/drawing/2014/main" id="{09B91760-73CB-4CC4-9E30-3A1AC62D6E23}"/>
+              </a:ext>
+            </a:extLst>
+          </p:cNvPr>
+          <p:cNvPicPr>
+            <a:picLocks noChangeAspect="1"/>
+          </p:cNvPicPr>
+          <p:nvPr/>
+        </p:nvPicPr>
+        <p:blipFill>
+          <a:blip r:embed="rId4"/>
+          <a:stretch>
+            <a:fillRect/>
+          </a:stretch>
+        </p:blipFill>
+        <p:spPr>
+          <a:xfrm>
+            <a:off x="5249881" y="2184817"/>
+            <a:ext cx="5780779" cy="3513124"/>
+          </a:xfrm>
+          <a:prstGeom prst="rect">
+            <a:avLst/>
+          </a:prstGeom>
+          <a:scene3d>
+            <a:camera prst="orthographicFront"/>
+            <a:lightRig rig="threePt" dir="t"/>
+          </a:scene3d>
+          <a:sp3d>
+            <a:bevelT w="165100" prst="coolSlant"/>
+          </a:sp3d>
+        </p:spPr>
+      </p:pic>
+      <p:sp>
+        <p:nvSpPr>
+          <p:cNvPr id="20" name="矩形 19">
+            <a:extLst>
+              <a:ext uri="{FF2B5EF4-FFF2-40B4-BE49-F238E27FC236}">
+                <a16:creationId xmlns:a16="http://schemas.microsoft.com/office/drawing/2014/main" id="{02D1887D-F48C-46F9-BAC0-590617BE2C3E}"/>
+              </a:ext>
+            </a:extLst>
+          </p:cNvPr>
+          <p:cNvSpPr/>
+          <p:nvPr/>
+        </p:nvSpPr>
+        <p:spPr>
+          <a:xfrm>
+            <a:off x="2541974" y="3429000"/>
+            <a:ext cx="926439" cy="428297"/>
+          </a:xfrm>
+          <a:prstGeom prst="rect">
+            <a:avLst/>
+          </a:prstGeom>
+          <a:noFill/>
+          <a:ln w="19050">
+            <a:solidFill>
+              <a:srgbClr val="FF0000"/>
+            </a:solidFill>
+          </a:ln>
+        </p:spPr>
+        <p:style>
+          <a:lnRef idx="2">
+            <a:schemeClr val="accent1">
+              <a:shade val="50000"/>
+            </a:schemeClr>
+          </a:lnRef>
+          <a:fillRef idx="1">
+            <a:schemeClr val="accent1"/>
+          </a:fillRef>
+          <a:effectRef idx="0">
+            <a:schemeClr val="accent1"/>
+          </a:effectRef>
+          <a:fontRef idx="minor">
+            <a:schemeClr val="lt1"/>
+          </a:fontRef>
+        </p:style>
+        <p:txBody>
+          <a:bodyPr rtlCol="0" anchor="ctr"/>
+          <a:lstStyle/>
+          <a:p>
+            <a:pPr algn="ctr"/>
+            <a:endParaRPr lang="zh-TW" altLang="en-US" dirty="0">
+              <a:ln>
+                <a:solidFill>
+                  <a:srgbClr val="FF0000"/>
+                </a:solidFill>
+              </a:ln>
+            </a:endParaRPr>
+          </a:p>
+        </p:txBody>
+      </p:sp>
+      <p:cxnSp>
+        <p:nvCxnSpPr>
+          <p:cNvPr id="27" name="直線單箭頭接點 26">
+            <a:extLst>
+              <a:ext uri="{FF2B5EF4-FFF2-40B4-BE49-F238E27FC236}">
+                <a16:creationId xmlns:a16="http://schemas.microsoft.com/office/drawing/2014/main" id="{E8362EBA-5FDA-4CA3-B983-FA12786EDAE9}"/>
+              </a:ext>
+            </a:extLst>
+          </p:cNvPr>
+          <p:cNvCxnSpPr>
+            <a:stCxn id="20" idx="3"/>
+          </p:cNvCxnSpPr>
+          <p:nvPr/>
+        </p:nvCxnSpPr>
+        <p:spPr>
+          <a:xfrm flipV="1">
+            <a:off x="3468413" y="3643148"/>
+            <a:ext cx="1702677" cy="1"/>
+          </a:xfrm>
+          <a:prstGeom prst="straightConnector1">
+            <a:avLst/>
+          </a:prstGeom>
+          <a:ln w="19050">
+            <a:solidFill>
+              <a:srgbClr val="FF0000"/>
+            </a:solidFill>
+            <a:tailEnd type="triangle"/>
           </a:ln>
         </p:spPr>
         <p:style>
@@ -14927,25 +15352,25 @@
       </p:cxnSp>
       <p:sp>
         <p:nvSpPr>
-          <p:cNvPr id="8" name="文字方塊 7">
-            <a:extLst>
-              <a:ext uri="{FF2B5EF4-FFF2-40B4-BE49-F238E27FC236}">
-                <a16:creationId xmlns:a16="http://schemas.microsoft.com/office/drawing/2014/main" id="{62B3DF71-B9CD-44D7-B25D-900103958020}"/>
-              </a:ext>
-            </a:extLst>
-          </p:cNvPr>
-          <p:cNvSpPr txBox="1"/>
+          <p:cNvPr id="16" name="語音泡泡: 圓角矩形 15">
+            <a:extLst>
+              <a:ext uri="{FF2B5EF4-FFF2-40B4-BE49-F238E27FC236}">
+                <a16:creationId xmlns:a16="http://schemas.microsoft.com/office/drawing/2014/main" id="{5E9FEA2F-F6A8-4BB5-99FC-C700AACD668B}"/>
+              </a:ext>
+            </a:extLst>
+          </p:cNvPr>
+          <p:cNvSpPr/>
           <p:nvPr/>
         </p:nvSpPr>
         <p:spPr>
           <a:xfrm flipH="1">
-            <a:off x="6756100" y="1924865"/>
-            <a:ext cx="2482029" cy="783193"/>
+            <a:off x="688699" y="4681314"/>
+            <a:ext cx="4676895" cy="630621"/>
           </a:xfrm>
           <a:prstGeom prst="wedgeRoundRectCallout">
             <a:avLst>
-              <a:gd name="adj1" fmla="val -57762"/>
-              <a:gd name="adj2" fmla="val 29823"/>
+              <a:gd name="adj1" fmla="val -93633"/>
+              <a:gd name="adj2" fmla="val -85757"/>
               <a:gd name="adj3" fmla="val 16667"/>
             </a:avLst>
           </a:prstGeom>
@@ -14953,6 +15378,301 @@
             <a:schemeClr val="accent4">
               <a:lumMod val="20000"/>
               <a:lumOff val="80000"/>
+            </a:schemeClr>
+          </a:solidFill>
+          <a:ln>
+            <a:noFill/>
+          </a:ln>
+          <a:effectLst>
+            <a:outerShdw blurRad="63500" sx="102000" sy="102000" algn="ctr" rotWithShape="0">
+              <a:prstClr val="black">
+                <a:alpha val="40000"/>
+              </a:prstClr>
+            </a:outerShdw>
+          </a:effectLst>
+        </p:spPr>
+        <p:style>
+          <a:lnRef idx="2">
+            <a:schemeClr val="accent1">
+              <a:shade val="50000"/>
+            </a:schemeClr>
+          </a:lnRef>
+          <a:fillRef idx="1">
+            <a:schemeClr val="accent1"/>
+          </a:fillRef>
+          <a:effectRef idx="0">
+            <a:schemeClr val="accent1"/>
+          </a:effectRef>
+          <a:fontRef idx="minor">
+            <a:schemeClr val="lt1"/>
+          </a:fontRef>
+        </p:style>
+        <p:txBody>
+          <a:bodyPr rtlCol="0" anchor="ctr"/>
+          <a:lstStyle/>
+          <a:p>
+            <a:pPr algn="ctr"/>
+            <a:r>
+              <a:rPr lang="zh-TW" altLang="en-US" dirty="0">
+                <a:solidFill>
+                  <a:schemeClr val="tx1"/>
+                </a:solidFill>
+              </a:rPr>
+              <a:t>於彈出的檔案總管視窗內選取欲上傳文件</a:t>
+            </a:r>
+            <a:endParaRPr lang="en-US" altLang="zh-TW" dirty="0">
+              <a:solidFill>
+                <a:schemeClr val="tx1"/>
+              </a:solidFill>
+            </a:endParaRPr>
+          </a:p>
+          <a:p>
+            <a:pPr algn="ctr"/>
+            <a:r>
+              <a:rPr lang="en-US" altLang="zh-TW" dirty="0">
+                <a:solidFill>
+                  <a:schemeClr val="tx1"/>
+                </a:solidFill>
+              </a:rPr>
+              <a:t>(</a:t>
+            </a:r>
+            <a:r>
+              <a:rPr lang="zh-TW" altLang="en-US" dirty="0">
+                <a:solidFill>
+                  <a:schemeClr val="tx1"/>
+                </a:solidFill>
+              </a:rPr>
+              <a:t>上傳文件支援多選</a:t>
+            </a:r>
+            <a:r>
+              <a:rPr lang="en-US" altLang="zh-TW" dirty="0">
+                <a:solidFill>
+                  <a:schemeClr val="tx1"/>
+                </a:solidFill>
+              </a:rPr>
+              <a:t>)</a:t>
+            </a:r>
+            <a:endParaRPr lang="zh-TW" altLang="en-US" dirty="0">
+              <a:solidFill>
+                <a:schemeClr val="tx1"/>
+              </a:solidFill>
+            </a:endParaRPr>
+          </a:p>
+        </p:txBody>
+      </p:sp>
+      <p:sp>
+        <p:nvSpPr>
+          <p:cNvPr id="42" name="矩形 41">
+            <a:extLst>
+              <a:ext uri="{FF2B5EF4-FFF2-40B4-BE49-F238E27FC236}">
+                <a16:creationId xmlns:a16="http://schemas.microsoft.com/office/drawing/2014/main" id="{E257AFC4-D1DA-4826-81E9-8EE354B05D9B}"/>
+              </a:ext>
+            </a:extLst>
+          </p:cNvPr>
+          <p:cNvSpPr/>
+          <p:nvPr/>
+        </p:nvSpPr>
+        <p:spPr>
+          <a:xfrm>
+            <a:off x="6489338" y="3643148"/>
+            <a:ext cx="2507517" cy="718645"/>
+          </a:xfrm>
+          <a:prstGeom prst="rect">
+            <a:avLst/>
+          </a:prstGeom>
+          <a:noFill/>
+          <a:ln w="19050">
+            <a:solidFill>
+              <a:srgbClr val="FF0000"/>
+            </a:solidFill>
+          </a:ln>
+        </p:spPr>
+        <p:style>
+          <a:lnRef idx="2">
+            <a:schemeClr val="accent1">
+              <a:shade val="50000"/>
+            </a:schemeClr>
+          </a:lnRef>
+          <a:fillRef idx="1">
+            <a:schemeClr val="accent1"/>
+          </a:fillRef>
+          <a:effectRef idx="0">
+            <a:schemeClr val="accent1"/>
+          </a:effectRef>
+          <a:fontRef idx="minor">
+            <a:schemeClr val="lt1"/>
+          </a:fontRef>
+        </p:style>
+        <p:txBody>
+          <a:bodyPr rtlCol="0" anchor="ctr"/>
+          <a:lstStyle/>
+          <a:p>
+            <a:pPr algn="ctr"/>
+            <a:endParaRPr lang="zh-TW" altLang="en-US" dirty="0">
+              <a:ln>
+                <a:solidFill>
+                  <a:srgbClr val="FF0000"/>
+                </a:solidFill>
+              </a:ln>
+            </a:endParaRPr>
+          </a:p>
+        </p:txBody>
+      </p:sp>
+      <p:sp>
+        <p:nvSpPr>
+          <p:cNvPr id="44" name="文字方塊 43">
+            <a:extLst>
+              <a:ext uri="{FF2B5EF4-FFF2-40B4-BE49-F238E27FC236}">
+                <a16:creationId xmlns:a16="http://schemas.microsoft.com/office/drawing/2014/main" id="{DCB8D278-7A94-444C-898C-2226A870788E}"/>
+              </a:ext>
+            </a:extLst>
+          </p:cNvPr>
+          <p:cNvSpPr txBox="1"/>
+          <p:nvPr/>
+        </p:nvSpPr>
+        <p:spPr>
+          <a:xfrm>
+            <a:off x="494195" y="3458482"/>
+            <a:ext cx="1569660" cy="369332"/>
+          </a:xfrm>
+          <a:prstGeom prst="rect">
+            <a:avLst/>
+          </a:prstGeom>
+          <a:solidFill>
+            <a:schemeClr val="accent4">
+              <a:lumMod val="20000"/>
+              <a:lumOff val="80000"/>
+            </a:schemeClr>
+          </a:solidFill>
+          <a:ln>
+            <a:solidFill>
+              <a:srgbClr val="FF0000"/>
+            </a:solidFill>
+          </a:ln>
+        </p:spPr>
+        <p:txBody>
+          <a:bodyPr wrap="none" rtlCol="0">
+            <a:spAutoFit/>
+          </a:bodyPr>
+          <a:lstStyle/>
+          <a:p>
+            <a:r>
+              <a:rPr lang="zh-TW" altLang="en-US" b="1" dirty="0"/>
+              <a:t>點擊新增文件</a:t>
+            </a:r>
+          </a:p>
+        </p:txBody>
+      </p:sp>
+      <p:cxnSp>
+        <p:nvCxnSpPr>
+          <p:cNvPr id="29" name="直線接點 28">
+            <a:extLst>
+              <a:ext uri="{FF2B5EF4-FFF2-40B4-BE49-F238E27FC236}">
+                <a16:creationId xmlns:a16="http://schemas.microsoft.com/office/drawing/2014/main" id="{BB73B996-CECF-45DA-A69D-826C11EA79D3}"/>
+              </a:ext>
+            </a:extLst>
+          </p:cNvPr>
+          <p:cNvCxnSpPr>
+            <a:stCxn id="44" idx="3"/>
+            <a:endCxn id="20" idx="1"/>
+          </p:cNvCxnSpPr>
+          <p:nvPr/>
+        </p:nvCxnSpPr>
+        <p:spPr>
+          <a:xfrm>
+            <a:off x="2063855" y="3643148"/>
+            <a:ext cx="478119" cy="1"/>
+          </a:xfrm>
+          <a:prstGeom prst="line">
+            <a:avLst/>
+          </a:prstGeom>
+          <a:ln>
+            <a:solidFill>
+              <a:srgbClr val="FF0000"/>
+            </a:solidFill>
+          </a:ln>
+        </p:spPr>
+        <p:style>
+          <a:lnRef idx="1">
+            <a:schemeClr val="accent1"/>
+          </a:lnRef>
+          <a:fillRef idx="0">
+            <a:schemeClr val="accent1"/>
+          </a:fillRef>
+          <a:effectRef idx="0">
+            <a:schemeClr val="accent1"/>
+          </a:effectRef>
+          <a:fontRef idx="minor">
+            <a:schemeClr val="tx1"/>
+          </a:fontRef>
+        </p:style>
+      </p:cxnSp>
+    </p:spTree>
+    <p:extLst>
+      <p:ext uri="{BB962C8B-B14F-4D97-AF65-F5344CB8AC3E}">
+        <p14:creationId xmlns:p14="http://schemas.microsoft.com/office/powerpoint/2010/main" val="1154585412"/>
+      </p:ext>
+    </p:extLst>
+  </p:cSld>
+  <p:clrMapOvr>
+    <a:masterClrMapping/>
+  </p:clrMapOvr>
+  <mc:AlternateContent xmlns:mc="http://schemas.openxmlformats.org/markup-compatibility/2006" xmlns:p14="http://schemas.microsoft.com/office/powerpoint/2010/main">
+    <mc:Choice Requires="p14">
+      <p:transition spd="slow" p14:dur="2000">
+        <p:cut/>
+      </p:transition>
+    </mc:Choice>
+    <mc:Fallback xmlns="">
+      <p:transition spd="slow">
+        <p:cut/>
+      </p:transition>
+    </mc:Fallback>
+  </mc:AlternateContent>
+</p:sld>
+</file>
+
+<file path=ppt/slides/slide4.xml><?xml version="1.0" encoding="utf-8"?>
+<p:sld xmlns:a="http://schemas.openxmlformats.org/drawingml/2006/main" xmlns:r="http://schemas.openxmlformats.org/officeDocument/2006/relationships" xmlns:p="http://schemas.openxmlformats.org/presentationml/2006/main">
+  <p:cSld>
+    <p:spTree>
+      <p:nvGrpSpPr>
+        <p:cNvPr id="1" name=""/>
+        <p:cNvGrpSpPr/>
+        <p:nvPr/>
+      </p:nvGrpSpPr>
+      <p:grpSpPr>
+        <a:xfrm>
+          <a:off x="0" y="0"/>
+          <a:ext cx="0" cy="0"/>
+          <a:chOff x="0" y="0"/>
+          <a:chExt cx="0" cy="0"/>
+        </a:xfrm>
+      </p:grpSpPr>
+      <p:sp>
+        <p:nvSpPr>
+          <p:cNvPr id="3" name="文字方塊 2">
+            <a:extLst>
+              <a:ext uri="{FF2B5EF4-FFF2-40B4-BE49-F238E27FC236}">
+                <a16:creationId xmlns:a16="http://schemas.microsoft.com/office/drawing/2014/main" id="{674A5070-52E6-45D8-9E57-142D6C512E7A}"/>
+              </a:ext>
+            </a:extLst>
+          </p:cNvPr>
+          <p:cNvSpPr txBox="1"/>
+          <p:nvPr/>
+        </p:nvSpPr>
+        <p:spPr>
+          <a:xfrm>
+            <a:off x="145344" y="899135"/>
+            <a:ext cx="11901311" cy="461665"/>
+          </a:xfrm>
+          <a:prstGeom prst="rect">
+            <a:avLst/>
+          </a:prstGeom>
+          <a:solidFill>
+            <a:schemeClr val="accent3">
+              <a:lumMod val="40000"/>
+              <a:lumOff val="60000"/>
             </a:schemeClr>
           </a:solidFill>
         </p:spPr>
@@ -14963,28 +15683,321 @@
           <a:lstStyle/>
           <a:p>
             <a:r>
-              <a:rPr lang="en-US" altLang="zh-TW" sz="2000" b="1" dirty="0" smtClean="0">
+              <a:rPr lang="zh-TW" altLang="en-US" sz="2400" b="1" dirty="0">
+                <a:cs typeface="+mn-ea"/>
+                <a:sym typeface="+mn-lt"/>
+              </a:rPr>
+              <a:t>點擊編輯以上傳相關文件，並在選取狀態後點擊完成。</a:t>
+            </a:r>
+            <a:endParaRPr lang="en-US" altLang="zh-TW" sz="2400" b="1" dirty="0">
+              <a:cs typeface="+mn-ea"/>
+              <a:sym typeface="+mn-lt"/>
+            </a:endParaRPr>
+          </a:p>
+        </p:txBody>
+      </p:sp>
+      <p:sp>
+        <p:nvSpPr>
+          <p:cNvPr id="4" name="箭號: 五邊形 3">
+            <a:extLst>
+              <a:ext uri="{FF2B5EF4-FFF2-40B4-BE49-F238E27FC236}">
+                <a16:creationId xmlns:a16="http://schemas.microsoft.com/office/drawing/2014/main" id="{98EF11F7-FC50-4FF9-BE16-AE146D8B5FE4}"/>
+              </a:ext>
+            </a:extLst>
+          </p:cNvPr>
+          <p:cNvSpPr/>
+          <p:nvPr/>
+        </p:nvSpPr>
+        <p:spPr>
+          <a:xfrm flipH="1">
+            <a:off x="9645038" y="338200"/>
+            <a:ext cx="2546957" cy="357573"/>
+          </a:xfrm>
+          <a:prstGeom prst="homePlate">
+            <a:avLst/>
+          </a:prstGeom>
+          <a:solidFill>
+            <a:schemeClr val="accent2">
+              <a:lumMod val="40000"/>
+              <a:lumOff val="60000"/>
+            </a:schemeClr>
+          </a:solidFill>
+          <a:ln>
+            <a:noFill/>
+          </a:ln>
+        </p:spPr>
+        <p:style>
+          <a:lnRef idx="2">
+            <a:schemeClr val="accent1">
+              <a:shade val="50000"/>
+            </a:schemeClr>
+          </a:lnRef>
+          <a:fillRef idx="1">
+            <a:schemeClr val="accent1"/>
+          </a:fillRef>
+          <a:effectRef idx="0">
+            <a:schemeClr val="accent1"/>
+          </a:effectRef>
+          <a:fontRef idx="minor">
+            <a:schemeClr val="lt1"/>
+          </a:fontRef>
+        </p:style>
+        <p:txBody>
+          <a:bodyPr rtlCol="0" anchor="ctr"/>
+          <a:lstStyle/>
+          <a:p>
+            <a:pPr algn="ctr"/>
+            <a:r>
+              <a:rPr lang="zh-TW" altLang="en-US" sz="2000" b="1" dirty="0">
+                <a:solidFill>
+                  <a:schemeClr val="tx1"/>
+                </a:solidFill>
+                <a:cs typeface="+mn-ea"/>
+                <a:sym typeface="+mn-lt"/>
+              </a:rPr>
+              <a:t>角色</a:t>
+            </a:r>
+            <a:r>
+              <a:rPr lang="en-US" altLang="zh-TW" sz="2000" b="1" dirty="0">
+                <a:solidFill>
+                  <a:schemeClr val="tx1"/>
+                </a:solidFill>
+                <a:cs typeface="+mn-ea"/>
+                <a:sym typeface="+mn-lt"/>
+              </a:rPr>
+              <a:t>-</a:t>
+            </a:r>
+            <a:r>
+              <a:rPr lang="zh-TW" altLang="en-US" sz="2000" b="1" dirty="0">
+                <a:solidFill>
+                  <a:schemeClr val="tx1"/>
+                </a:solidFill>
+                <a:cs typeface="+mn-ea"/>
+                <a:sym typeface="+mn-lt"/>
+              </a:rPr>
+              <a:t>使用的功能</a:t>
+            </a:r>
+          </a:p>
+        </p:txBody>
+      </p:sp>
+      <p:sp>
+        <p:nvSpPr>
+          <p:cNvPr id="5" name="矩形 4">
+            <a:extLst>
+              <a:ext uri="{FF2B5EF4-FFF2-40B4-BE49-F238E27FC236}">
+                <a16:creationId xmlns:a16="http://schemas.microsoft.com/office/drawing/2014/main" id="{739D8F48-B55E-49DA-9B62-82A3E38C6C22}"/>
+              </a:ext>
+            </a:extLst>
+          </p:cNvPr>
+          <p:cNvSpPr/>
+          <p:nvPr/>
+        </p:nvSpPr>
+        <p:spPr>
+          <a:xfrm>
+            <a:off x="37577" y="30746"/>
+            <a:ext cx="9607461" cy="665027"/>
+          </a:xfrm>
+          <a:prstGeom prst="rect">
+            <a:avLst/>
+          </a:prstGeom>
+          <a:noFill/>
+          <a:ln>
+            <a:noFill/>
+          </a:ln>
+        </p:spPr>
+        <p:style>
+          <a:lnRef idx="2">
+            <a:schemeClr val="accent1">
+              <a:shade val="50000"/>
+            </a:schemeClr>
+          </a:lnRef>
+          <a:fillRef idx="1">
+            <a:schemeClr val="accent1"/>
+          </a:fillRef>
+          <a:effectRef idx="0">
+            <a:schemeClr val="accent1"/>
+          </a:effectRef>
+          <a:fontRef idx="minor">
+            <a:schemeClr val="lt1"/>
+          </a:fontRef>
+        </p:style>
+        <p:txBody>
+          <a:bodyPr rtlCol="0" anchor="ctr"/>
+          <a:lstStyle/>
+          <a:p>
+            <a:r>
+              <a:rPr lang="zh-TW" altLang="en-US" sz="3200" b="1" dirty="0">
+                <a:solidFill>
+                  <a:srgbClr val="39759D"/>
+                </a:solidFill>
+                <a:cs typeface="+mn-ea"/>
+                <a:sym typeface="+mn-lt"/>
+              </a:rPr>
+              <a:t> </a:t>
+            </a:r>
+            <a:r>
+              <a:rPr lang="en-US" altLang="zh-TW" sz="3200" b="1" dirty="0">
+                <a:solidFill>
+                  <a:srgbClr val="39759D"/>
+                </a:solidFill>
+                <a:cs typeface="+mn-ea"/>
+                <a:sym typeface="+mn-lt"/>
+              </a:rPr>
+              <a:t>A5</a:t>
+            </a:r>
+            <a:r>
+              <a:rPr lang="zh-TW" altLang="en-US" sz="3200" b="1" dirty="0">
+                <a:solidFill>
+                  <a:srgbClr val="39759D"/>
+                </a:solidFill>
+                <a:cs typeface="+mn-ea"/>
+                <a:sym typeface="+mn-lt"/>
+              </a:rPr>
+              <a:t> 純上傳文件流程</a:t>
+            </a:r>
+            <a:endParaRPr lang="zh-TW" altLang="en-US" sz="3200" b="1" dirty="0">
+              <a:solidFill>
+                <a:srgbClr val="FF0000"/>
+              </a:solidFill>
+              <a:cs typeface="+mn-ea"/>
+              <a:sym typeface="+mn-lt"/>
+            </a:endParaRPr>
+          </a:p>
+        </p:txBody>
+      </p:sp>
+      <p:cxnSp>
+        <p:nvCxnSpPr>
+          <p:cNvPr id="6" name="直線接點 5">
+            <a:extLst>
+              <a:ext uri="{FF2B5EF4-FFF2-40B4-BE49-F238E27FC236}">
+                <a16:creationId xmlns:a16="http://schemas.microsoft.com/office/drawing/2014/main" id="{1CCC58A9-F8FF-419B-A67A-55D2B959D158}"/>
+              </a:ext>
+            </a:extLst>
+          </p:cNvPr>
+          <p:cNvCxnSpPr>
+            <a:cxnSpLocks/>
+          </p:cNvCxnSpPr>
+          <p:nvPr/>
+        </p:nvCxnSpPr>
+        <p:spPr>
+          <a:xfrm>
+            <a:off x="136200" y="695773"/>
+            <a:ext cx="6331835" cy="0"/>
+          </a:xfrm>
+          <a:prstGeom prst="line">
+            <a:avLst/>
+          </a:prstGeom>
+          <a:ln w="76200">
+            <a:solidFill>
+              <a:srgbClr val="39759D"/>
+            </a:solidFill>
+          </a:ln>
+        </p:spPr>
+        <p:style>
+          <a:lnRef idx="1">
+            <a:schemeClr val="accent1"/>
+          </a:lnRef>
+          <a:fillRef idx="0">
+            <a:schemeClr val="accent1"/>
+          </a:fillRef>
+          <a:effectRef idx="0">
+            <a:schemeClr val="accent1"/>
+          </a:effectRef>
+          <a:fontRef idx="minor">
+            <a:schemeClr val="tx1"/>
+          </a:fontRef>
+        </p:style>
+      </p:cxnSp>
+      <p:pic>
+        <p:nvPicPr>
+          <p:cNvPr id="45" name="圖片 44">
+            <a:extLst>
+              <a:ext uri="{FF2B5EF4-FFF2-40B4-BE49-F238E27FC236}">
+                <a16:creationId xmlns:a16="http://schemas.microsoft.com/office/drawing/2014/main" id="{FA68D052-1155-4B27-9540-28BDDBB9F042}"/>
+              </a:ext>
+            </a:extLst>
+          </p:cNvPr>
+          <p:cNvPicPr>
+            <a:picLocks noChangeAspect="1"/>
+          </p:cNvPicPr>
+          <p:nvPr/>
+        </p:nvPicPr>
+        <p:blipFill>
+          <a:blip r:embed="rId3"/>
+          <a:stretch>
+            <a:fillRect/>
+          </a:stretch>
+        </p:blipFill>
+        <p:spPr>
+          <a:xfrm>
+            <a:off x="335824" y="1564161"/>
+            <a:ext cx="9010965" cy="4702983"/>
+          </a:xfrm>
+          <a:prstGeom prst="rect">
+            <a:avLst/>
+          </a:prstGeom>
+        </p:spPr>
+      </p:pic>
+      <p:sp>
+        <p:nvSpPr>
+          <p:cNvPr id="52" name="文字方塊 51">
+            <a:extLst>
+              <a:ext uri="{FF2B5EF4-FFF2-40B4-BE49-F238E27FC236}">
+                <a16:creationId xmlns:a16="http://schemas.microsoft.com/office/drawing/2014/main" id="{8E133749-F174-4A9B-B9E5-F2B8B57F0218}"/>
+              </a:ext>
+            </a:extLst>
+          </p:cNvPr>
+          <p:cNvSpPr txBox="1"/>
+          <p:nvPr/>
+        </p:nvSpPr>
+        <p:spPr>
+          <a:xfrm flipH="1">
+            <a:off x="5852498" y="1841515"/>
+            <a:ext cx="2482029" cy="783193"/>
+          </a:xfrm>
+          <a:prstGeom prst="wedgeRoundRectCallout">
+            <a:avLst>
+              <a:gd name="adj1" fmla="val -57762"/>
+              <a:gd name="adj2" fmla="val 29823"/>
+              <a:gd name="adj3" fmla="val 16667"/>
+            </a:avLst>
+          </a:prstGeom>
+          <a:solidFill>
+            <a:schemeClr val="accent4">
+              <a:lumMod val="20000"/>
+              <a:lumOff val="80000"/>
+            </a:schemeClr>
+          </a:solidFill>
+        </p:spPr>
+        <p:txBody>
+          <a:bodyPr wrap="square" rtlCol="0">
+            <a:spAutoFit/>
+          </a:bodyPr>
+          <a:lstStyle/>
+          <a:p>
+            <a:r>
+              <a:rPr lang="en-US" altLang="zh-TW" sz="2000" b="1" dirty="0">
                 <a:cs typeface="+mn-ea"/>
                 <a:sym typeface="+mn-lt"/>
               </a:rPr>
               <a:t>1.</a:t>
             </a:r>
             <a:r>
-              <a:rPr lang="zh-TW" altLang="en-US" sz="2000" b="1" dirty="0" smtClean="0">
+              <a:rPr lang="zh-TW" altLang="en-US" sz="2000" b="1" dirty="0">
                 <a:cs typeface="+mn-ea"/>
                 <a:sym typeface="+mn-lt"/>
               </a:rPr>
               <a:t>點擊編輯</a:t>
             </a:r>
             <a:r>
-              <a:rPr lang="en-US" altLang="zh-TW" sz="2000" b="1" dirty="0" smtClean="0">
+              <a:rPr lang="en-US" altLang="zh-TW" sz="2000" b="1" dirty="0">
                 <a:cs typeface="+mn-ea"/>
                 <a:sym typeface="+mn-lt"/>
               </a:rPr>
               <a:t>/</a:t>
             </a:r>
             <a:r>
-              <a:rPr lang="zh-TW" altLang="en-US" sz="2000" b="1" dirty="0" smtClean="0">
+              <a:rPr lang="zh-TW" altLang="en-US" sz="2000" b="1" dirty="0">
                 <a:cs typeface="+mn-ea"/>
                 <a:sym typeface="+mn-lt"/>
               </a:rPr>
@@ -14997,70 +16010,28 @@
           </a:p>
         </p:txBody>
       </p:sp>
-      <p:pic>
-        <p:nvPicPr>
-          <p:cNvPr id="20" name="圖片 19"/>
-          <p:cNvPicPr>
-            <a:picLocks noChangeAspect="1"/>
-          </p:cNvPicPr>
-          <p:nvPr/>
-        </p:nvPicPr>
-        <p:blipFill>
-          <a:blip r:embed="rId4"/>
-          <a:stretch>
-            <a:fillRect/>
-          </a:stretch>
-        </p:blipFill>
-        <p:spPr>
-          <a:xfrm>
-            <a:off x="9489945" y="2426614"/>
-            <a:ext cx="1428571" cy="657143"/>
-          </a:xfrm>
-          <a:prstGeom prst="rect">
-            <a:avLst/>
-          </a:prstGeom>
-        </p:spPr>
-      </p:pic>
-      <p:pic>
-        <p:nvPicPr>
-          <p:cNvPr id="22" name="圖片 21"/>
-          <p:cNvPicPr>
-            <a:picLocks noChangeAspect="1"/>
-          </p:cNvPicPr>
-          <p:nvPr/>
-        </p:nvPicPr>
-        <p:blipFill>
-          <a:blip r:embed="rId5"/>
-          <a:stretch>
-            <a:fillRect/>
-          </a:stretch>
-        </p:blipFill>
-        <p:spPr>
-          <a:xfrm>
-            <a:off x="9453281" y="1691927"/>
-            <a:ext cx="1114286" cy="647619"/>
-          </a:xfrm>
-          <a:prstGeom prst="rect">
-            <a:avLst/>
-          </a:prstGeom>
-        </p:spPr>
-      </p:pic>
       <p:sp>
         <p:nvSpPr>
-          <p:cNvPr id="26" name="矩形 25"/>
+          <p:cNvPr id="47" name="矩形 46">
+            <a:extLst>
+              <a:ext uri="{FF2B5EF4-FFF2-40B4-BE49-F238E27FC236}">
+                <a16:creationId xmlns:a16="http://schemas.microsoft.com/office/drawing/2014/main" id="{5830359E-A5E8-4321-BC08-C8375A5D83DA}"/>
+              </a:ext>
+            </a:extLst>
+          </p:cNvPr>
           <p:cNvSpPr/>
           <p:nvPr/>
         </p:nvSpPr>
         <p:spPr>
           <a:xfrm>
-            <a:off x="3092784" y="4459730"/>
-            <a:ext cx="618606" cy="287082"/>
+            <a:off x="2532993" y="3429000"/>
+            <a:ext cx="6684579" cy="375745"/>
           </a:xfrm>
           <a:prstGeom prst="rect">
             <a:avLst/>
           </a:prstGeom>
           <a:noFill/>
-          <a:ln w="28575">
+          <a:ln w="19050">
             <a:solidFill>
               <a:srgbClr val="FF0000"/>
             </a:solidFill>
@@ -15093,14 +16064,20 @@
       </p:sp>
       <p:sp>
         <p:nvSpPr>
-          <p:cNvPr id="30" name="文字方塊 29"/>
+          <p:cNvPr id="55" name="文字方塊 54">
+            <a:extLst>
+              <a:ext uri="{FF2B5EF4-FFF2-40B4-BE49-F238E27FC236}">
+                <a16:creationId xmlns:a16="http://schemas.microsoft.com/office/drawing/2014/main" id="{9381F2E2-96AC-4FDA-B173-5BFE7CB57AE9}"/>
+              </a:ext>
+            </a:extLst>
+          </p:cNvPr>
           <p:cNvSpPr txBox="1"/>
           <p:nvPr/>
         </p:nvSpPr>
         <p:spPr>
           <a:xfrm>
-            <a:off x="6756100" y="3318293"/>
-            <a:ext cx="2690160" cy="646331"/>
+            <a:off x="8561406" y="4712779"/>
+            <a:ext cx="3485249" cy="646331"/>
           </a:xfrm>
           <a:prstGeom prst="rect">
             <a:avLst/>
@@ -15124,40 +16101,161 @@
           <a:lstStyle/>
           <a:p>
             <a:r>
-              <a:rPr lang="en-US" altLang="zh-TW" b="1" dirty="0" smtClean="0"/>
-              <a:t>2.</a:t>
+              <a:rPr lang="en-US" altLang="zh-TW" b="1" dirty="0"/>
+              <a:t>3.</a:t>
             </a:r>
             <a:r>
-              <a:rPr lang="zh-TW" altLang="en-US" b="1" dirty="0" smtClean="0"/>
-              <a:t>選擇文件類型並點擊新</a:t>
+              <a:rPr lang="zh-TW" altLang="en-US" b="1" dirty="0"/>
+              <a:t>選擇辦理狀態後選擇完成</a:t>
             </a:r>
-            <a:endParaRPr lang="en-US" altLang="zh-TW" b="1" dirty="0" smtClean="0"/>
+            <a:r>
+              <a:rPr lang="en-US" altLang="zh-TW" b="1" dirty="0"/>
+              <a:t>/</a:t>
+            </a:r>
+            <a:r>
+              <a:rPr lang="zh-TW" altLang="en-US" b="1" dirty="0"/>
+              <a:t>取消</a:t>
+            </a:r>
+            <a:endParaRPr lang="en-US" altLang="zh-TW" b="1" dirty="0"/>
           </a:p>
           <a:p>
             <a:r>
-              <a:rPr lang="zh-TW" altLang="en-US" b="1" dirty="0" smtClean="0"/>
-              <a:t>增文件按鈕以上傳文件</a:t>
+              <a:rPr lang="zh-TW" altLang="en-US" b="1" dirty="0"/>
+              <a:t>來完成或放棄編輯。</a:t>
             </a:r>
-            <a:endParaRPr lang="zh-TW" altLang="en-US" b="1" dirty="0"/>
           </a:p>
         </p:txBody>
       </p:sp>
       <p:sp>
         <p:nvSpPr>
-          <p:cNvPr id="35" name="矩形 34"/>
+          <p:cNvPr id="57" name="文字方塊 56">
+            <a:extLst>
+              <a:ext uri="{FF2B5EF4-FFF2-40B4-BE49-F238E27FC236}">
+                <a16:creationId xmlns:a16="http://schemas.microsoft.com/office/drawing/2014/main" id="{6E992574-D70B-40D0-9972-76DE314BAA5A}"/>
+              </a:ext>
+            </a:extLst>
+          </p:cNvPr>
+          <p:cNvSpPr txBox="1"/>
+          <p:nvPr/>
+        </p:nvSpPr>
+        <p:spPr>
+          <a:xfrm>
+            <a:off x="8958950" y="2622057"/>
+            <a:ext cx="2690160" cy="646331"/>
+          </a:xfrm>
+          <a:prstGeom prst="rect">
+            <a:avLst/>
+          </a:prstGeom>
+          <a:solidFill>
+            <a:schemeClr val="accent4">
+              <a:lumMod val="20000"/>
+              <a:lumOff val="80000"/>
+            </a:schemeClr>
+          </a:solidFill>
+          <a:ln>
+            <a:solidFill>
+              <a:srgbClr val="FF0000"/>
+            </a:solidFill>
+          </a:ln>
+        </p:spPr>
+        <p:txBody>
+          <a:bodyPr wrap="none" rtlCol="0">
+            <a:spAutoFit/>
+          </a:bodyPr>
+          <a:lstStyle/>
+          <a:p>
+            <a:r>
+              <a:rPr lang="en-US" altLang="zh-TW" b="1" dirty="0"/>
+              <a:t>2.</a:t>
+            </a:r>
+            <a:r>
+              <a:rPr lang="zh-TW" altLang="en-US" b="1" dirty="0"/>
+              <a:t>選擇文件類型並點擊新</a:t>
+            </a:r>
+            <a:endParaRPr lang="en-US" altLang="zh-TW" b="1" dirty="0"/>
+          </a:p>
+          <a:p>
+            <a:r>
+              <a:rPr lang="zh-TW" altLang="en-US" b="1" dirty="0"/>
+              <a:t>增文件按鈕以上傳文件</a:t>
+            </a:r>
+          </a:p>
+        </p:txBody>
+      </p:sp>
+      <p:sp>
+        <p:nvSpPr>
+          <p:cNvPr id="58" name="矩形 57">
+            <a:extLst>
+              <a:ext uri="{FF2B5EF4-FFF2-40B4-BE49-F238E27FC236}">
+                <a16:creationId xmlns:a16="http://schemas.microsoft.com/office/drawing/2014/main" id="{DFD7EBE0-9611-4356-B1F5-EADB693A651A}"/>
+              </a:ext>
+            </a:extLst>
+          </p:cNvPr>
           <p:cNvSpPr/>
           <p:nvPr/>
         </p:nvSpPr>
         <p:spPr>
           <a:xfrm>
-            <a:off x="2460733" y="3964623"/>
-            <a:ext cx="1869220" cy="262235"/>
+            <a:off x="567835" y="4712779"/>
+            <a:ext cx="4110043" cy="494488"/>
           </a:xfrm>
           <a:prstGeom prst="rect">
             <a:avLst/>
           </a:prstGeom>
           <a:noFill/>
-          <a:ln w="28575">
+          <a:ln w="19050">
+            <a:solidFill>
+              <a:srgbClr val="FF0000"/>
+            </a:solidFill>
+          </a:ln>
+        </p:spPr>
+        <p:style>
+          <a:lnRef idx="2">
+            <a:schemeClr val="accent1">
+              <a:shade val="50000"/>
+            </a:schemeClr>
+          </a:lnRef>
+          <a:fillRef idx="1">
+            <a:schemeClr val="accent1"/>
+          </a:fillRef>
+          <a:effectRef idx="0">
+            <a:schemeClr val="accent1"/>
+          </a:effectRef>
+          <a:fontRef idx="minor">
+            <a:schemeClr val="lt1"/>
+          </a:fontRef>
+        </p:style>
+        <p:txBody>
+          <a:bodyPr rtlCol="0" anchor="ctr"/>
+          <a:lstStyle/>
+          <a:p>
+            <a:pPr algn="ctr"/>
+            <a:endParaRPr lang="zh-TW" altLang="en-US" dirty="0"/>
+          </a:p>
+        </p:txBody>
+      </p:sp>
+      <p:sp>
+        <p:nvSpPr>
+          <p:cNvPr id="59" name="矩形 58">
+            <a:extLst>
+              <a:ext uri="{FF2B5EF4-FFF2-40B4-BE49-F238E27FC236}">
+                <a16:creationId xmlns:a16="http://schemas.microsoft.com/office/drawing/2014/main" id="{4A970F2B-2F01-4164-8837-47BDB75C3715}"/>
+              </a:ext>
+            </a:extLst>
+          </p:cNvPr>
+          <p:cNvSpPr/>
+          <p:nvPr/>
+        </p:nvSpPr>
+        <p:spPr>
+          <a:xfrm>
+            <a:off x="335823" y="5515896"/>
+            <a:ext cx="9010966" cy="646331"/>
+          </a:xfrm>
+          <a:prstGeom prst="rect">
+            <a:avLst/>
+          </a:prstGeom>
+          <a:noFill/>
+          <a:ln w="19050">
             <a:solidFill>
               <a:srgbClr val="FF0000"/>
             </a:solidFill>
@@ -15190,18 +16288,25 @@
       </p:sp>
       <p:cxnSp>
         <p:nvCxnSpPr>
-          <p:cNvPr id="37" name="直線接點 36"/>
+          <p:cNvPr id="50" name="接點: 肘形 49">
+            <a:extLst>
+              <a:ext uri="{FF2B5EF4-FFF2-40B4-BE49-F238E27FC236}">
+                <a16:creationId xmlns:a16="http://schemas.microsoft.com/office/drawing/2014/main" id="{81B8FB3D-A914-4928-A7BC-8C16432AB8DB}"/>
+              </a:ext>
+            </a:extLst>
+          </p:cNvPr>
           <p:cNvCxnSpPr>
-            <a:stCxn id="26" idx="3"/>
+            <a:stCxn id="55" idx="2"/>
+            <a:endCxn id="59" idx="3"/>
           </p:cNvCxnSpPr>
           <p:nvPr/>
         </p:nvCxnSpPr>
         <p:spPr>
-          <a:xfrm>
-            <a:off x="3711390" y="4603271"/>
-            <a:ext cx="833716" cy="0"/>
-          </a:xfrm>
-          <a:prstGeom prst="line">
+          <a:xfrm rot="5400000">
+            <a:off x="9585434" y="5120465"/>
+            <a:ext cx="479952" cy="957242"/>
+          </a:xfrm>
+          <a:prstGeom prst="bentConnector2">
             <a:avLst/>
           </a:prstGeom>
           <a:ln>
@@ -15227,18 +16332,24 @@
       </p:cxnSp>
       <p:cxnSp>
         <p:nvCxnSpPr>
-          <p:cNvPr id="42" name="肘形接點 41"/>
+          <p:cNvPr id="62" name="直線接點 61">
+            <a:extLst>
+              <a:ext uri="{FF2B5EF4-FFF2-40B4-BE49-F238E27FC236}">
+                <a16:creationId xmlns:a16="http://schemas.microsoft.com/office/drawing/2014/main" id="{35256001-F375-4A8C-9696-BBA02B692E62}"/>
+              </a:ext>
+            </a:extLst>
+          </p:cNvPr>
           <p:cNvCxnSpPr>
-            <a:stCxn id="35" idx="3"/>
+            <a:stCxn id="58" idx="3"/>
           </p:cNvCxnSpPr>
           <p:nvPr/>
         </p:nvCxnSpPr>
         <p:spPr>
-          <a:xfrm>
-            <a:off x="4329953" y="4063253"/>
-            <a:ext cx="201706" cy="540018"/>
-          </a:xfrm>
-          <a:prstGeom prst="bentConnector2">
+          <a:xfrm flipV="1">
+            <a:off x="4677878" y="4937760"/>
+            <a:ext cx="3883528" cy="22263"/>
+          </a:xfrm>
+          <a:prstGeom prst="line">
             <a:avLst/>
           </a:prstGeom>
           <a:ln>
@@ -15264,247 +16375,22 @@
       </p:cxnSp>
       <p:cxnSp>
         <p:nvCxnSpPr>
-          <p:cNvPr id="44" name="肘形接點 43"/>
+          <p:cNvPr id="64" name="接點: 肘形 63">
+            <a:extLst>
+              <a:ext uri="{FF2B5EF4-FFF2-40B4-BE49-F238E27FC236}">
+                <a16:creationId xmlns:a16="http://schemas.microsoft.com/office/drawing/2014/main" id="{D5289EEE-2ADA-45B2-9510-C7E51DA87E3E}"/>
+              </a:ext>
+            </a:extLst>
+          </p:cNvPr>
           <p:cNvCxnSpPr>
-            <a:endCxn id="30" idx="1"/>
+            <a:endCxn id="57" idx="2"/>
           </p:cNvCxnSpPr>
           <p:nvPr/>
         </p:nvCxnSpPr>
         <p:spPr>
           <a:xfrm flipV="1">
-            <a:off x="4531659" y="3641459"/>
-            <a:ext cx="2224441" cy="699178"/>
-          </a:xfrm>
-          <a:prstGeom prst="bentConnector3">
-            <a:avLst/>
-          </a:prstGeom>
-          <a:ln w="9525">
-            <a:solidFill>
-              <a:srgbClr val="FF0000"/>
-            </a:solidFill>
-          </a:ln>
-        </p:spPr>
-        <p:style>
-          <a:lnRef idx="1">
-            <a:schemeClr val="accent1"/>
-          </a:lnRef>
-          <a:fillRef idx="0">
-            <a:schemeClr val="accent1"/>
-          </a:fillRef>
-          <a:effectRef idx="0">
-            <a:schemeClr val="accent1"/>
-          </a:effectRef>
-          <a:fontRef idx="minor">
-            <a:schemeClr val="tx1"/>
-          </a:fontRef>
-        </p:style>
-      </p:cxnSp>
-      <p:sp>
-        <p:nvSpPr>
-          <p:cNvPr id="46" name="矩形 45"/>
-          <p:cNvSpPr/>
-          <p:nvPr/>
-        </p:nvSpPr>
-        <p:spPr>
-          <a:xfrm>
-            <a:off x="564776" y="5235388"/>
-            <a:ext cx="2299448" cy="327212"/>
-          </a:xfrm>
-          <a:prstGeom prst="rect">
-            <a:avLst/>
-          </a:prstGeom>
-          <a:noFill/>
-          <a:ln w="28575">
-            <a:solidFill>
-              <a:srgbClr val="FF0000"/>
-            </a:solidFill>
-          </a:ln>
-        </p:spPr>
-        <p:style>
-          <a:lnRef idx="2">
-            <a:schemeClr val="accent1">
-              <a:shade val="50000"/>
-            </a:schemeClr>
-          </a:lnRef>
-          <a:fillRef idx="1">
-            <a:schemeClr val="accent1"/>
-          </a:fillRef>
-          <a:effectRef idx="0">
-            <a:schemeClr val="accent1"/>
-          </a:effectRef>
-          <a:fontRef idx="minor">
-            <a:schemeClr val="lt1"/>
-          </a:fontRef>
-        </p:style>
-        <p:txBody>
-          <a:bodyPr rtlCol="0" anchor="ctr"/>
-          <a:lstStyle/>
-          <a:p>
-            <a:pPr algn="ctr"/>
-            <a:endParaRPr lang="zh-TW" altLang="en-US" dirty="0"/>
-          </a:p>
-        </p:txBody>
-      </p:sp>
-      <p:cxnSp>
-        <p:nvCxnSpPr>
-          <p:cNvPr id="48" name="直線接點 47"/>
-          <p:cNvCxnSpPr>
-            <a:stCxn id="46" idx="3"/>
-            <a:endCxn id="51" idx="1"/>
-          </p:cNvCxnSpPr>
-          <p:nvPr/>
-        </p:nvCxnSpPr>
-        <p:spPr>
-          <a:xfrm flipV="1">
-            <a:off x="2864224" y="5372825"/>
-            <a:ext cx="3878429" cy="26169"/>
-          </a:xfrm>
-          <a:prstGeom prst="line">
-            <a:avLst/>
-          </a:prstGeom>
-          <a:ln w="9525">
-            <a:solidFill>
-              <a:srgbClr val="FF0000"/>
-            </a:solidFill>
-          </a:ln>
-        </p:spPr>
-        <p:style>
-          <a:lnRef idx="1">
-            <a:schemeClr val="accent1"/>
-          </a:lnRef>
-          <a:fillRef idx="0">
-            <a:schemeClr val="accent1"/>
-          </a:fillRef>
-          <a:effectRef idx="0">
-            <a:schemeClr val="accent1"/>
-          </a:effectRef>
-          <a:fontRef idx="minor">
-            <a:schemeClr val="tx1"/>
-          </a:fontRef>
-        </p:style>
-      </p:cxnSp>
-      <p:sp>
-        <p:nvSpPr>
-          <p:cNvPr id="51" name="文字方塊 50"/>
-          <p:cNvSpPr txBox="1"/>
-          <p:nvPr/>
-        </p:nvSpPr>
-        <p:spPr>
-          <a:xfrm>
-            <a:off x="6742653" y="5049659"/>
-            <a:ext cx="3485249" cy="646331"/>
-          </a:xfrm>
-          <a:prstGeom prst="rect">
-            <a:avLst/>
-          </a:prstGeom>
-          <a:solidFill>
-            <a:schemeClr val="accent4">
-              <a:lumMod val="20000"/>
-              <a:lumOff val="80000"/>
-            </a:schemeClr>
-          </a:solidFill>
-          <a:ln>
-            <a:solidFill>
-              <a:srgbClr val="FF0000"/>
-            </a:solidFill>
-          </a:ln>
-        </p:spPr>
-        <p:txBody>
-          <a:bodyPr wrap="none" rtlCol="0">
-            <a:spAutoFit/>
-          </a:bodyPr>
-          <a:lstStyle/>
-          <a:p>
-            <a:r>
-              <a:rPr lang="en-US" altLang="zh-TW" b="1" dirty="0"/>
-              <a:t>3</a:t>
-            </a:r>
-            <a:r>
-              <a:rPr lang="en-US" altLang="zh-TW" b="1" dirty="0" smtClean="0"/>
-              <a:t>.</a:t>
-            </a:r>
-            <a:r>
-              <a:rPr lang="zh-TW" altLang="en-US" b="1" dirty="0" smtClean="0"/>
-              <a:t>選擇辦理狀態後選擇完成</a:t>
-            </a:r>
-            <a:r>
-              <a:rPr lang="en-US" altLang="zh-TW" b="1" dirty="0" smtClean="0"/>
-              <a:t>/</a:t>
-            </a:r>
-            <a:r>
-              <a:rPr lang="zh-TW" altLang="en-US" b="1" dirty="0" smtClean="0"/>
-              <a:t>取消</a:t>
-            </a:r>
-            <a:endParaRPr lang="en-US" altLang="zh-TW" b="1" dirty="0" smtClean="0"/>
-          </a:p>
-          <a:p>
-            <a:r>
-              <a:rPr lang="zh-TW" altLang="en-US" b="1" dirty="0" smtClean="0"/>
-              <a:t>來完成或放棄編輯。</a:t>
-            </a:r>
-            <a:endParaRPr lang="zh-TW" altLang="en-US" b="1" dirty="0"/>
-          </a:p>
-        </p:txBody>
-      </p:sp>
-      <p:sp>
-        <p:nvSpPr>
-          <p:cNvPr id="54" name="矩形 53"/>
-          <p:cNvSpPr/>
-          <p:nvPr/>
-        </p:nvSpPr>
-        <p:spPr>
-          <a:xfrm>
-            <a:off x="380999" y="5775007"/>
-            <a:ext cx="6133054" cy="327212"/>
-          </a:xfrm>
-          <a:prstGeom prst="rect">
-            <a:avLst/>
-          </a:prstGeom>
-          <a:noFill/>
-          <a:ln w="28575">
-            <a:solidFill>
-              <a:srgbClr val="FF0000"/>
-            </a:solidFill>
-          </a:ln>
-        </p:spPr>
-        <p:style>
-          <a:lnRef idx="2">
-            <a:schemeClr val="accent1">
-              <a:shade val="50000"/>
-            </a:schemeClr>
-          </a:lnRef>
-          <a:fillRef idx="1">
-            <a:schemeClr val="accent1"/>
-          </a:fillRef>
-          <a:effectRef idx="0">
-            <a:schemeClr val="accent1"/>
-          </a:effectRef>
-          <a:fontRef idx="minor">
-            <a:schemeClr val="lt1"/>
-          </a:fontRef>
-        </p:style>
-        <p:txBody>
-          <a:bodyPr rtlCol="0" anchor="ctr"/>
-          <a:lstStyle/>
-          <a:p>
-            <a:pPr algn="ctr"/>
-            <a:endParaRPr lang="zh-TW" altLang="en-US" dirty="0"/>
-          </a:p>
-        </p:txBody>
-      </p:sp>
-      <p:cxnSp>
-        <p:nvCxnSpPr>
-          <p:cNvPr id="60" name="肘形接點 59"/>
-          <p:cNvCxnSpPr>
-            <a:stCxn id="54" idx="3"/>
-            <a:endCxn id="51" idx="2"/>
-          </p:cNvCxnSpPr>
-          <p:nvPr/>
-        </p:nvCxnSpPr>
-        <p:spPr>
-          <a:xfrm flipV="1">
-            <a:off x="6514053" y="5695990"/>
-            <a:ext cx="1971225" cy="242623"/>
+            <a:off x="9217572" y="3268388"/>
+            <a:ext cx="1086458" cy="350711"/>
           </a:xfrm>
           <a:prstGeom prst="bentConnector2">
             <a:avLst/>
@@ -15533,7 +16419,7 @@
     </p:spTree>
     <p:extLst>
       <p:ext uri="{BB962C8B-B14F-4D97-AF65-F5344CB8AC3E}">
-        <p14:creationId xmlns:p14="http://schemas.microsoft.com/office/powerpoint/2010/main" val="3378068836"/>
+        <p14:creationId xmlns:p14="http://schemas.microsoft.com/office/powerpoint/2010/main" val="3638462360"/>
       </p:ext>
     </p:extLst>
   </p:cSld>
@@ -15552,17 +16438,10 @@
       </p:transition>
     </mc:Fallback>
   </mc:AlternateContent>
-  <p:timing>
-    <p:tnLst>
-      <p:par>
-        <p:cTn id="1" dur="indefinite" restart="never" nodeType="tmRoot"/>
-      </p:par>
-    </p:tnLst>
-  </p:timing>
 </p:sld>
 </file>
 
-<file path=ppt/slides/slide4.xml><?xml version="1.0" encoding="utf-8"?>
+<file path=ppt/slides/slide5.xml><?xml version="1.0" encoding="utf-8"?>
 <p:sld xmlns:a="http://schemas.openxmlformats.org/drawingml/2006/main" xmlns:r="http://schemas.openxmlformats.org/officeDocument/2006/relationships" xmlns:p="http://schemas.openxmlformats.org/presentationml/2006/main">
   <p:cSld>
     <p:spTree>
@@ -16105,7 +16984,7 @@
     </p:spTree>
     <p:extLst>
       <p:ext uri="{BB962C8B-B14F-4D97-AF65-F5344CB8AC3E}">
-        <p14:creationId xmlns:p14="http://schemas.microsoft.com/office/powerpoint/2010/main" val="3792666423"/>
+        <p14:creationId xmlns:p14="http://schemas.microsoft.com/office/powerpoint/2010/main" val="2330410422"/>
       </p:ext>
     </p:extLst>
   </p:cSld>
@@ -16124,17 +17003,10 @@
       </p:transition>
     </mc:Fallback>
   </mc:AlternateContent>
-  <p:timing>
-    <p:tnLst>
-      <p:par>
-        <p:cTn id="1" dur="indefinite" restart="never" nodeType="tmRoot"/>
-      </p:par>
-    </p:tnLst>
-  </p:timing>
 </p:sld>
 </file>
 
-<file path=ppt/slides/slide5.xml><?xml version="1.0" encoding="utf-8"?>
+<file path=ppt/slides/slide6.xml><?xml version="1.0" encoding="utf-8"?>
 <p:sld xmlns:a="http://schemas.openxmlformats.org/drawingml/2006/main" xmlns:r="http://schemas.openxmlformats.org/officeDocument/2006/relationships" xmlns:p="http://schemas.openxmlformats.org/presentationml/2006/main">
   <p:cSld>
     <p:spTree>
@@ -16586,13 +17458,6 @@
       </p:transition>
     </mc:Fallback>
   </mc:AlternateContent>
-  <p:timing>
-    <p:tnLst>
-      <p:par>
-        <p:cTn id="1" dur="indefinite" restart="never" nodeType="tmRoot"/>
-      </p:par>
-    </p:tnLst>
-  </p:timing>
 </p:sld>
 </file>
 

--- a/決標後.pptx
+++ b/決標後.pptx
@@ -15852,13 +15852,13 @@
   <p:clrMapOvr>
     <a:masterClrMapping/>
   </p:clrMapOvr>
-  <mc:AlternateContent xmlns:mc="http://schemas.openxmlformats.org/markup-compatibility/2006">
-    <mc:Choice xmlns:p14="http://schemas.microsoft.com/office/powerpoint/2010/main" Requires="p14">
+  <mc:AlternateContent xmlns:mc="http://schemas.openxmlformats.org/markup-compatibility/2006" xmlns:p14="http://schemas.microsoft.com/office/powerpoint/2010/main">
+    <mc:Choice Requires="p14">
       <p:transition spd="slow" p14:dur="2000">
         <p:cut/>
       </p:transition>
     </mc:Choice>
-    <mc:Fallback>
+    <mc:Fallback xmlns="">
       <p:transition spd="slow">
         <p:cut/>
       </p:transition>
@@ -16709,13 +16709,13 @@
   <p:clrMapOvr>
     <a:masterClrMapping/>
   </p:clrMapOvr>
-  <mc:AlternateContent xmlns:mc="http://schemas.openxmlformats.org/markup-compatibility/2006">
-    <mc:Choice xmlns:p14="http://schemas.microsoft.com/office/powerpoint/2010/main" Requires="p14">
+  <mc:AlternateContent xmlns:mc="http://schemas.openxmlformats.org/markup-compatibility/2006" xmlns:p14="http://schemas.microsoft.com/office/powerpoint/2010/main">
+    <mc:Choice Requires="p14">
       <p:transition spd="slow" p14:dur="2000">
         <p:cut/>
       </p:transition>
     </mc:Choice>
-    <mc:Fallback>
+    <mc:Fallback xmlns="">
       <p:transition spd="slow">
         <p:cut/>
       </p:transition>
@@ -17122,13 +17122,13 @@
   <p:clrMapOvr>
     <a:masterClrMapping/>
   </p:clrMapOvr>
-  <mc:AlternateContent xmlns:mc="http://schemas.openxmlformats.org/markup-compatibility/2006">
-    <mc:Choice xmlns:p14="http://schemas.microsoft.com/office/powerpoint/2010/main" Requires="p14">
+  <mc:AlternateContent xmlns:mc="http://schemas.openxmlformats.org/markup-compatibility/2006" xmlns:p14="http://schemas.microsoft.com/office/powerpoint/2010/main">
+    <mc:Choice Requires="p14">
       <p:transition spd="slow" p14:dur="2000">
         <p:cut/>
       </p:transition>
     </mc:Choice>
-    <mc:Fallback>
+    <mc:Fallback xmlns="">
       <p:transition spd="slow">
         <p:cut/>
       </p:transition>
@@ -17192,7 +17192,7 @@
                 <a:cs typeface="+mn-ea"/>
                 <a:sym typeface="+mn-lt"/>
               </a:rPr>
-              <a:t>退還超出保證金</a:t>
+              <a:t>設定單價調整</a:t>
             </a:r>
             <a:endParaRPr lang="en-US" altLang="zh-TW" sz="2400" b="1" dirty="0">
               <a:cs typeface="+mn-ea"/>
@@ -17453,13 +17453,13 @@
   <p:clrMapOvr>
     <a:masterClrMapping/>
   </p:clrMapOvr>
-  <mc:AlternateContent xmlns:mc="http://schemas.openxmlformats.org/markup-compatibility/2006">
-    <mc:Choice xmlns:p14="http://schemas.microsoft.com/office/powerpoint/2010/main" Requires="p14">
+  <mc:AlternateContent xmlns:mc="http://schemas.openxmlformats.org/markup-compatibility/2006" xmlns:p14="http://schemas.microsoft.com/office/powerpoint/2010/main">
+    <mc:Choice Requires="p14">
       <p:transition spd="slow" p14:dur="2000">
         <p:cut/>
       </p:transition>
     </mc:Choice>
-    <mc:Fallback>
+    <mc:Fallback xmlns="">
       <p:transition spd="slow">
         <p:cut/>
       </p:transition>
@@ -17860,13 +17860,13 @@
   <p:clrMapOvr>
     <a:masterClrMapping/>
   </p:clrMapOvr>
-  <mc:AlternateContent xmlns:mc="http://schemas.openxmlformats.org/markup-compatibility/2006">
-    <mc:Choice xmlns:p14="http://schemas.microsoft.com/office/powerpoint/2010/main" Requires="p14">
+  <mc:AlternateContent xmlns:mc="http://schemas.openxmlformats.org/markup-compatibility/2006" xmlns:p14="http://schemas.microsoft.com/office/powerpoint/2010/main">
+    <mc:Choice Requires="p14">
       <p:transition spd="slow" p14:dur="2000">
         <p:cut/>
       </p:transition>
     </mc:Choice>
-    <mc:Fallback>
+    <mc:Fallback xmlns="">
       <p:transition spd="slow">
         <p:cut/>
       </p:transition>
@@ -18307,13 +18307,13 @@
   <p:clrMapOvr>
     <a:masterClrMapping/>
   </p:clrMapOvr>
-  <mc:AlternateContent xmlns:mc="http://schemas.openxmlformats.org/markup-compatibility/2006">
-    <mc:Choice xmlns:p14="http://schemas.microsoft.com/office/powerpoint/2010/main" Requires="p14">
+  <mc:AlternateContent xmlns:mc="http://schemas.openxmlformats.org/markup-compatibility/2006" xmlns:p14="http://schemas.microsoft.com/office/powerpoint/2010/main">
+    <mc:Choice Requires="p14">
       <p:transition spd="slow" p14:dur="2000">
         <p:cut/>
       </p:transition>
     </mc:Choice>
-    <mc:Fallback>
+    <mc:Fallback xmlns="">
       <p:transition spd="slow">
         <p:cut/>
       </p:transition>
@@ -19222,13 +19222,13 @@
   <p:clrMapOvr>
     <a:masterClrMapping/>
   </p:clrMapOvr>
-  <mc:AlternateContent xmlns:mc="http://schemas.openxmlformats.org/markup-compatibility/2006">
-    <mc:Choice xmlns:p14="http://schemas.microsoft.com/office/powerpoint/2010/main" Requires="p14">
+  <mc:AlternateContent xmlns:mc="http://schemas.openxmlformats.org/markup-compatibility/2006" xmlns:p14="http://schemas.microsoft.com/office/powerpoint/2010/main">
+    <mc:Choice Requires="p14">
       <p:transition spd="slow" p14:dur="2000">
         <p:cut/>
       </p:transition>
     </mc:Choice>
-    <mc:Fallback>
+    <mc:Fallback xmlns="">
       <p:transition spd="slow">
         <p:cut/>
       </p:transition>
@@ -19879,13 +19879,13 @@
   <p:clrMapOvr>
     <a:masterClrMapping/>
   </p:clrMapOvr>
-  <mc:AlternateContent xmlns:mc="http://schemas.openxmlformats.org/markup-compatibility/2006">
-    <mc:Choice xmlns:p14="http://schemas.microsoft.com/office/powerpoint/2010/main" Requires="p14">
+  <mc:AlternateContent xmlns:mc="http://schemas.openxmlformats.org/markup-compatibility/2006" xmlns:p14="http://schemas.microsoft.com/office/powerpoint/2010/main">
+    <mc:Choice Requires="p14">
       <p:transition spd="slow" p14:dur="2000">
         <p:cut/>
       </p:transition>
     </mc:Choice>
-    <mc:Fallback>
+    <mc:Fallback xmlns="">
       <p:transition spd="slow">
         <p:cut/>
       </p:transition>
@@ -20311,13 +20311,13 @@
   <p:clrMapOvr>
     <a:masterClrMapping/>
   </p:clrMapOvr>
-  <mc:AlternateContent xmlns:mc="http://schemas.openxmlformats.org/markup-compatibility/2006">
-    <mc:Choice xmlns:p14="http://schemas.microsoft.com/office/powerpoint/2010/main" Requires="p14">
+  <mc:AlternateContent xmlns:mc="http://schemas.openxmlformats.org/markup-compatibility/2006" xmlns:p14="http://schemas.microsoft.com/office/powerpoint/2010/main">
+    <mc:Choice Requires="p14">
       <p:transition spd="slow" p14:dur="2000">
         <p:cut/>
       </p:transition>
     </mc:Choice>
-    <mc:Fallback>
+    <mc:Fallback xmlns="">
       <p:transition spd="slow">
         <p:cut/>
       </p:transition>
@@ -20537,7 +20537,7 @@
                 <a:cs typeface="+mn-ea"/>
                 <a:sym typeface="+mn-lt"/>
               </a:rPr>
-              <a:t>A5</a:t>
+              <a:t>A6.5</a:t>
             </a:r>
             <a:r>
               <a:rPr lang="zh-TW" altLang="en-US" sz="3200" b="1" i="0" dirty="0">
@@ -22689,8 +22689,8 @@
           </a:prstGeom>
           <a:solidFill>
             <a:schemeClr val="accent4">
-              <a:lumMod val="20000"/>
-              <a:lumOff val="80000"/>
+              <a:lumMod val="40000"/>
+              <a:lumOff val="60000"/>
             </a:schemeClr>
           </a:solidFill>
         </p:spPr>
@@ -23160,8 +23160,8 @@
           </a:prstGeom>
           <a:solidFill>
             <a:schemeClr val="accent4">
-              <a:lumMod val="20000"/>
-              <a:lumOff val="80000"/>
+              <a:lumMod val="40000"/>
+              <a:lumOff val="60000"/>
             </a:schemeClr>
           </a:solidFill>
         </p:spPr>
